--- a/Reference materials/Advanced JAVA/Event handling.pptx
+++ b/Reference materials/Advanced JAVA/Event handling.pptx
@@ -235,7 +235,7 @@
           <a:p>
             <a:fld id="{CBDFB359-B0C7-4C2A-B5E6-DC0AAC7DC740}" type="datetimeFigureOut">
               <a:rPr lang="en-IN" smtClean="0"/>
-              <a:t>25-05-2021</a:t>
+              <a:t>28-04-2021</a:t>
             </a:fld>
             <a:endParaRPr lang="en-IN"/>
           </a:p>
@@ -299,35 +299,35 @@
           <a:p>
             <a:pPr lvl="0"/>
             <a:r>
-              <a:rPr lang="en-US"/>
+              <a:rPr lang="en-US" smtClean="0"/>
               <a:t>Click to edit Master text styles</a:t>
             </a:r>
           </a:p>
           <a:p>
             <a:pPr lvl="1"/>
             <a:r>
-              <a:rPr lang="en-US"/>
+              <a:rPr lang="en-US" smtClean="0"/>
               <a:t>Second level</a:t>
             </a:r>
           </a:p>
           <a:p>
             <a:pPr lvl="2"/>
             <a:r>
-              <a:rPr lang="en-US"/>
+              <a:rPr lang="en-US" smtClean="0"/>
               <a:t>Third level</a:t>
             </a:r>
           </a:p>
           <a:p>
             <a:pPr lvl="3"/>
             <a:r>
-              <a:rPr lang="en-US"/>
+              <a:rPr lang="en-US" smtClean="0"/>
               <a:t>Fourth level</a:t>
             </a:r>
           </a:p>
           <a:p>
             <a:pPr lvl="4"/>
             <a:r>
-              <a:rPr lang="en-US"/>
+              <a:rPr lang="en-US" smtClean="0"/>
               <a:t>Fifth level</a:t>
             </a:r>
             <a:endParaRPr lang="en-IN"/>
@@ -673,9 +673,10 @@
           </a:lstStyle>
           <a:p>
             <a:r>
-              <a:rPr kumimoji="0" lang="en-US"/>
+              <a:rPr kumimoji="0" lang="en-US" smtClean="0"/>
               <a:t>Click to edit Master subtitle style</a:t>
             </a:r>
+            <a:endParaRPr kumimoji="0" lang="en-US"/>
           </a:p>
         </p:txBody>
       </p:sp>
@@ -697,7 +698,7 @@
             <a:fld id="{1D8BD707-D9CF-40AE-B4C6-C98DA3205C09}" type="datetimeFigureOut">
               <a:rPr lang="en-US" smtClean="0"/>
               <a:pPr/>
-              <a:t>5/25/2021</a:t>
+              <a:t>4/28/2021</a:t>
             </a:fld>
             <a:endParaRPr lang="en-US"/>
           </a:p>
@@ -927,9 +928,10 @@
           </a:lstStyle>
           <a:p>
             <a:r>
-              <a:rPr kumimoji="0" lang="en-US"/>
+              <a:rPr kumimoji="0" lang="en-US" smtClean="0"/>
               <a:t>Click to edit Master title style</a:t>
             </a:r>
+            <a:endParaRPr kumimoji="0" lang="en-US"/>
           </a:p>
         </p:txBody>
       </p:sp>
@@ -974,9 +976,10 @@
           <a:lstStyle/>
           <a:p>
             <a:r>
-              <a:rPr kumimoji="0" lang="en-US"/>
+              <a:rPr kumimoji="0" lang="en-US" smtClean="0"/>
               <a:t>Click to edit Master title style</a:t>
             </a:r>
+            <a:endParaRPr kumimoji="0" lang="en-US"/>
           </a:p>
         </p:txBody>
       </p:sp>
@@ -997,35 +1000,35 @@
           <a:p>
             <a:pPr lvl="0" eaLnBrk="1" latinLnBrk="0" hangingPunct="1"/>
             <a:r>
-              <a:rPr lang="en-US"/>
+              <a:rPr lang="en-US" smtClean="0"/>
               <a:t>Click to edit Master text styles</a:t>
             </a:r>
           </a:p>
           <a:p>
             <a:pPr lvl="1" eaLnBrk="1" latinLnBrk="0" hangingPunct="1"/>
             <a:r>
-              <a:rPr lang="en-US"/>
+              <a:rPr lang="en-US" smtClean="0"/>
               <a:t>Second level</a:t>
             </a:r>
           </a:p>
           <a:p>
             <a:pPr lvl="2" eaLnBrk="1" latinLnBrk="0" hangingPunct="1"/>
             <a:r>
-              <a:rPr lang="en-US"/>
+              <a:rPr lang="en-US" smtClean="0"/>
               <a:t>Third level</a:t>
             </a:r>
           </a:p>
           <a:p>
             <a:pPr lvl="3" eaLnBrk="1" latinLnBrk="0" hangingPunct="1"/>
             <a:r>
-              <a:rPr lang="en-US"/>
+              <a:rPr lang="en-US" smtClean="0"/>
               <a:t>Fourth level</a:t>
             </a:r>
           </a:p>
           <a:p>
             <a:pPr lvl="4" eaLnBrk="1" latinLnBrk="0" hangingPunct="1"/>
             <a:r>
-              <a:rPr lang="en-US"/>
+              <a:rPr lang="en-US" smtClean="0"/>
               <a:t>Fifth level</a:t>
             </a:r>
             <a:endParaRPr kumimoji="0" lang="en-US"/>
@@ -1050,7 +1053,7 @@
             <a:fld id="{1D8BD707-D9CF-40AE-B4C6-C98DA3205C09}" type="datetimeFigureOut">
               <a:rPr lang="en-US" smtClean="0"/>
               <a:pPr/>
-              <a:t>5/25/2021</a:t>
+              <a:t>4/28/2021</a:t>
             </a:fld>
             <a:endParaRPr lang="en-US"/>
           </a:p>
@@ -1145,9 +1148,10 @@
           <a:lstStyle/>
           <a:p>
             <a:r>
-              <a:rPr kumimoji="0" lang="en-US"/>
+              <a:rPr kumimoji="0" lang="en-US" smtClean="0"/>
               <a:t>Click to edit Master title style</a:t>
             </a:r>
+            <a:endParaRPr kumimoji="0" lang="en-US"/>
           </a:p>
         </p:txBody>
       </p:sp>
@@ -1173,35 +1177,35 @@
           <a:p>
             <a:pPr lvl="0" eaLnBrk="1" latinLnBrk="0" hangingPunct="1"/>
             <a:r>
-              <a:rPr lang="en-US"/>
+              <a:rPr lang="en-US" smtClean="0"/>
               <a:t>Click to edit Master text styles</a:t>
             </a:r>
           </a:p>
           <a:p>
             <a:pPr lvl="1" eaLnBrk="1" latinLnBrk="0" hangingPunct="1"/>
             <a:r>
-              <a:rPr lang="en-US"/>
+              <a:rPr lang="en-US" smtClean="0"/>
               <a:t>Second level</a:t>
             </a:r>
           </a:p>
           <a:p>
             <a:pPr lvl="2" eaLnBrk="1" latinLnBrk="0" hangingPunct="1"/>
             <a:r>
-              <a:rPr lang="en-US"/>
+              <a:rPr lang="en-US" smtClean="0"/>
               <a:t>Third level</a:t>
             </a:r>
           </a:p>
           <a:p>
             <a:pPr lvl="3" eaLnBrk="1" latinLnBrk="0" hangingPunct="1"/>
             <a:r>
-              <a:rPr lang="en-US"/>
+              <a:rPr lang="en-US" smtClean="0"/>
               <a:t>Fourth level</a:t>
             </a:r>
           </a:p>
           <a:p>
             <a:pPr lvl="4" eaLnBrk="1" latinLnBrk="0" hangingPunct="1"/>
             <a:r>
-              <a:rPr lang="en-US"/>
+              <a:rPr lang="en-US" smtClean="0"/>
               <a:t>Fifth level</a:t>
             </a:r>
             <a:endParaRPr kumimoji="0" lang="en-US"/>
@@ -1226,7 +1230,7 @@
             <a:fld id="{1D8BD707-D9CF-40AE-B4C6-C98DA3205C09}" type="datetimeFigureOut">
               <a:rPr lang="en-US" smtClean="0"/>
               <a:pPr/>
-              <a:t>5/25/2021</a:t>
+              <a:t>4/28/2021</a:t>
             </a:fld>
             <a:endParaRPr lang="en-US"/>
           </a:p>
@@ -1316,9 +1320,10 @@
           <a:lstStyle/>
           <a:p>
             <a:r>
-              <a:rPr kumimoji="0" lang="en-US"/>
+              <a:rPr kumimoji="0" lang="en-US" smtClean="0"/>
               <a:t>Click to edit Master title style</a:t>
             </a:r>
+            <a:endParaRPr kumimoji="0" lang="en-US"/>
           </a:p>
         </p:txBody>
       </p:sp>
@@ -1340,7 +1345,7 @@
             <a:fld id="{1D8BD707-D9CF-40AE-B4C6-C98DA3205C09}" type="datetimeFigureOut">
               <a:rPr lang="en-US" smtClean="0"/>
               <a:pPr/>
-              <a:t>5/25/2021</a:t>
+              <a:t>4/28/2021</a:t>
             </a:fld>
             <a:endParaRPr lang="en-US"/>
           </a:p>
@@ -1411,35 +1416,35 @@
           <a:p>
             <a:pPr lvl="0" eaLnBrk="1" latinLnBrk="0" hangingPunct="1"/>
             <a:r>
-              <a:rPr lang="en-US"/>
+              <a:rPr lang="en-US" smtClean="0"/>
               <a:t>Click to edit Master text styles</a:t>
             </a:r>
           </a:p>
           <a:p>
             <a:pPr lvl="1" eaLnBrk="1" latinLnBrk="0" hangingPunct="1"/>
             <a:r>
-              <a:rPr lang="en-US"/>
+              <a:rPr lang="en-US" smtClean="0"/>
               <a:t>Second level</a:t>
             </a:r>
           </a:p>
           <a:p>
             <a:pPr lvl="2" eaLnBrk="1" latinLnBrk="0" hangingPunct="1"/>
             <a:r>
-              <a:rPr lang="en-US"/>
+              <a:rPr lang="en-US" smtClean="0"/>
               <a:t>Third level</a:t>
             </a:r>
           </a:p>
           <a:p>
             <a:pPr lvl="3" eaLnBrk="1" latinLnBrk="0" hangingPunct="1"/>
             <a:r>
-              <a:rPr lang="en-US"/>
+              <a:rPr lang="en-US" smtClean="0"/>
               <a:t>Fourth level</a:t>
             </a:r>
           </a:p>
           <a:p>
             <a:pPr lvl="4" eaLnBrk="1" latinLnBrk="0" hangingPunct="1"/>
             <a:r>
-              <a:rPr lang="en-US"/>
+              <a:rPr lang="en-US" smtClean="0"/>
               <a:t>Fifth level</a:t>
             </a:r>
             <a:endParaRPr kumimoji="0" lang="en-US"/>
@@ -1596,9 +1601,10 @@
           </a:lstStyle>
           <a:p>
             <a:r>
-              <a:rPr kumimoji="0" lang="en-US"/>
+              <a:rPr kumimoji="0" lang="en-US" smtClean="0"/>
               <a:t>Click to edit Master title style</a:t>
             </a:r>
+            <a:endParaRPr kumimoji="0" lang="en-US"/>
           </a:p>
         </p:txBody>
       </p:sp>
@@ -1675,7 +1681,7 @@
           <a:p>
             <a:pPr lvl="0" eaLnBrk="1" latinLnBrk="0" hangingPunct="1"/>
             <a:r>
-              <a:rPr kumimoji="0" lang="en-US"/>
+              <a:rPr kumimoji="0" lang="en-US" smtClean="0"/>
               <a:t>Click to edit Master text styles</a:t>
             </a:r>
           </a:p>
@@ -1699,7 +1705,7 @@
             <a:fld id="{1D8BD707-D9CF-40AE-B4C6-C98DA3205C09}" type="datetimeFigureOut">
               <a:rPr lang="en-US" smtClean="0"/>
               <a:pPr/>
-              <a:t>5/25/2021</a:t>
+              <a:t>4/28/2021</a:t>
             </a:fld>
             <a:endParaRPr lang="en-US"/>
           </a:p>
@@ -1941,9 +1947,10 @@
           <a:lstStyle/>
           <a:p>
             <a:r>
-              <a:rPr kumimoji="0" lang="en-US"/>
+              <a:rPr kumimoji="0" lang="en-US" smtClean="0"/>
               <a:t>Click to edit Master title style</a:t>
             </a:r>
+            <a:endParaRPr kumimoji="0" lang="en-US"/>
           </a:p>
         </p:txBody>
       </p:sp>
@@ -1965,7 +1972,7 @@
             <a:fld id="{1D8BD707-D9CF-40AE-B4C6-C98DA3205C09}" type="datetimeFigureOut">
               <a:rPr lang="en-US" smtClean="0"/>
               <a:pPr/>
-              <a:t>5/25/2021</a:t>
+              <a:t>4/28/2021</a:t>
             </a:fld>
             <a:endParaRPr lang="en-US"/>
           </a:p>
@@ -2036,35 +2043,35 @@
           <a:p>
             <a:pPr lvl="0" eaLnBrk="1" latinLnBrk="0" hangingPunct="1"/>
             <a:r>
-              <a:rPr lang="en-US"/>
+              <a:rPr lang="en-US" smtClean="0"/>
               <a:t>Click to edit Master text styles</a:t>
             </a:r>
           </a:p>
           <a:p>
             <a:pPr lvl="1" eaLnBrk="1" latinLnBrk="0" hangingPunct="1"/>
             <a:r>
-              <a:rPr lang="en-US"/>
+              <a:rPr lang="en-US" smtClean="0"/>
               <a:t>Second level</a:t>
             </a:r>
           </a:p>
           <a:p>
             <a:pPr lvl="2" eaLnBrk="1" latinLnBrk="0" hangingPunct="1"/>
             <a:r>
-              <a:rPr lang="en-US"/>
+              <a:rPr lang="en-US" smtClean="0"/>
               <a:t>Third level</a:t>
             </a:r>
           </a:p>
           <a:p>
             <a:pPr lvl="3" eaLnBrk="1" latinLnBrk="0" hangingPunct="1"/>
             <a:r>
-              <a:rPr lang="en-US"/>
+              <a:rPr lang="en-US" smtClean="0"/>
               <a:t>Fourth level</a:t>
             </a:r>
           </a:p>
           <a:p>
             <a:pPr lvl="4" eaLnBrk="1" latinLnBrk="0" hangingPunct="1"/>
             <a:r>
-              <a:rPr lang="en-US"/>
+              <a:rPr lang="en-US" smtClean="0"/>
               <a:t>Fifth level</a:t>
             </a:r>
             <a:endParaRPr kumimoji="0" lang="en-US"/>
@@ -2093,35 +2100,35 @@
           <a:p>
             <a:pPr lvl="0" eaLnBrk="1" latinLnBrk="0" hangingPunct="1"/>
             <a:r>
-              <a:rPr lang="en-US"/>
+              <a:rPr lang="en-US" smtClean="0"/>
               <a:t>Click to edit Master text styles</a:t>
             </a:r>
           </a:p>
           <a:p>
             <a:pPr lvl="1" eaLnBrk="1" latinLnBrk="0" hangingPunct="1"/>
             <a:r>
-              <a:rPr lang="en-US"/>
+              <a:rPr lang="en-US" smtClean="0"/>
               <a:t>Second level</a:t>
             </a:r>
           </a:p>
           <a:p>
             <a:pPr lvl="2" eaLnBrk="1" latinLnBrk="0" hangingPunct="1"/>
             <a:r>
-              <a:rPr lang="en-US"/>
+              <a:rPr lang="en-US" smtClean="0"/>
               <a:t>Third level</a:t>
             </a:r>
           </a:p>
           <a:p>
             <a:pPr lvl="3" eaLnBrk="1" latinLnBrk="0" hangingPunct="1"/>
             <a:r>
-              <a:rPr lang="en-US"/>
+              <a:rPr lang="en-US" smtClean="0"/>
               <a:t>Fourth level</a:t>
             </a:r>
           </a:p>
           <a:p>
             <a:pPr lvl="4" eaLnBrk="1" latinLnBrk="0" hangingPunct="1"/>
             <a:r>
-              <a:rPr lang="en-US"/>
+              <a:rPr lang="en-US" smtClean="0"/>
               <a:t>Fifth level</a:t>
             </a:r>
             <a:endParaRPr kumimoji="0" lang="en-US"/>
@@ -2178,9 +2185,10 @@
           </a:lstStyle>
           <a:p>
             <a:r>
-              <a:rPr kumimoji="0" lang="en-US"/>
+              <a:rPr kumimoji="0" lang="en-US" smtClean="0"/>
               <a:t>Click to edit Master title style</a:t>
             </a:r>
+            <a:endParaRPr kumimoji="0" lang="en-US"/>
           </a:p>
         </p:txBody>
       </p:sp>
@@ -2241,7 +2249,7 @@
           <a:p>
             <a:pPr lvl="0" eaLnBrk="1" latinLnBrk="0" hangingPunct="1"/>
             <a:r>
-              <a:rPr kumimoji="0" lang="en-US"/>
+              <a:rPr kumimoji="0" lang="en-US" smtClean="0"/>
               <a:t>Click to edit Master text styles</a:t>
             </a:r>
           </a:p>
@@ -2304,7 +2312,7 @@
           <a:p>
             <a:pPr lvl="0" eaLnBrk="1" latinLnBrk="0" hangingPunct="1"/>
             <a:r>
-              <a:rPr kumimoji="0" lang="en-US"/>
+              <a:rPr kumimoji="0" lang="en-US" smtClean="0"/>
               <a:t>Click to edit Master text styles</a:t>
             </a:r>
           </a:p>
@@ -2328,7 +2336,7 @@
             <a:fld id="{1D8BD707-D9CF-40AE-B4C6-C98DA3205C09}" type="datetimeFigureOut">
               <a:rPr lang="en-US" smtClean="0"/>
               <a:pPr/>
-              <a:t>5/25/2021</a:t>
+              <a:t>4/28/2021</a:t>
             </a:fld>
             <a:endParaRPr lang="en-US"/>
           </a:p>
@@ -2399,35 +2407,35 @@
           <a:p>
             <a:pPr lvl="0" eaLnBrk="1" latinLnBrk="0" hangingPunct="1"/>
             <a:r>
-              <a:rPr lang="en-US"/>
+              <a:rPr lang="en-US" smtClean="0"/>
               <a:t>Click to edit Master text styles</a:t>
             </a:r>
           </a:p>
           <a:p>
             <a:pPr lvl="1" eaLnBrk="1" latinLnBrk="0" hangingPunct="1"/>
             <a:r>
-              <a:rPr lang="en-US"/>
+              <a:rPr lang="en-US" smtClean="0"/>
               <a:t>Second level</a:t>
             </a:r>
           </a:p>
           <a:p>
             <a:pPr lvl="2" eaLnBrk="1" latinLnBrk="0" hangingPunct="1"/>
             <a:r>
-              <a:rPr lang="en-US"/>
+              <a:rPr lang="en-US" smtClean="0"/>
               <a:t>Third level</a:t>
             </a:r>
           </a:p>
           <a:p>
             <a:pPr lvl="3" eaLnBrk="1" latinLnBrk="0" hangingPunct="1"/>
             <a:r>
-              <a:rPr lang="en-US"/>
+              <a:rPr lang="en-US" smtClean="0"/>
               <a:t>Fourth level</a:t>
             </a:r>
           </a:p>
           <a:p>
             <a:pPr lvl="4" eaLnBrk="1" latinLnBrk="0" hangingPunct="1"/>
             <a:r>
-              <a:rPr lang="en-US"/>
+              <a:rPr lang="en-US" smtClean="0"/>
               <a:t>Fifth level</a:t>
             </a:r>
             <a:endParaRPr kumimoji="0" lang="en-US"/>
@@ -2456,35 +2464,35 @@
           <a:p>
             <a:pPr lvl="0" eaLnBrk="1" latinLnBrk="0" hangingPunct="1"/>
             <a:r>
-              <a:rPr lang="en-US"/>
+              <a:rPr lang="en-US" smtClean="0"/>
               <a:t>Click to edit Master text styles</a:t>
             </a:r>
           </a:p>
           <a:p>
             <a:pPr lvl="1" eaLnBrk="1" latinLnBrk="0" hangingPunct="1"/>
             <a:r>
-              <a:rPr lang="en-US"/>
+              <a:rPr lang="en-US" smtClean="0"/>
               <a:t>Second level</a:t>
             </a:r>
           </a:p>
           <a:p>
             <a:pPr lvl="2" eaLnBrk="1" latinLnBrk="0" hangingPunct="1"/>
             <a:r>
-              <a:rPr lang="en-US"/>
+              <a:rPr lang="en-US" smtClean="0"/>
               <a:t>Third level</a:t>
             </a:r>
           </a:p>
           <a:p>
             <a:pPr lvl="3" eaLnBrk="1" latinLnBrk="0" hangingPunct="1"/>
             <a:r>
-              <a:rPr lang="en-US"/>
+              <a:rPr lang="en-US" smtClean="0"/>
               <a:t>Fourth level</a:t>
             </a:r>
           </a:p>
           <a:p>
             <a:pPr lvl="4" eaLnBrk="1" latinLnBrk="0" hangingPunct="1"/>
             <a:r>
-              <a:rPr lang="en-US"/>
+              <a:rPr lang="en-US" smtClean="0"/>
               <a:t>Fifth level</a:t>
             </a:r>
             <a:endParaRPr kumimoji="0" lang="en-US"/>
@@ -2532,9 +2540,10 @@
           <a:lstStyle/>
           <a:p>
             <a:r>
-              <a:rPr kumimoji="0" lang="en-US"/>
+              <a:rPr kumimoji="0" lang="en-US" smtClean="0"/>
               <a:t>Click to edit Master title style</a:t>
             </a:r>
+            <a:endParaRPr kumimoji="0" lang="en-US"/>
           </a:p>
         </p:txBody>
       </p:sp>
@@ -2556,7 +2565,7 @@
             <a:fld id="{1D8BD707-D9CF-40AE-B4C6-C98DA3205C09}" type="datetimeFigureOut">
               <a:rPr lang="en-US" smtClean="0"/>
               <a:pPr/>
-              <a:t>5/25/2021</a:t>
+              <a:t>4/28/2021</a:t>
             </a:fld>
             <a:endParaRPr lang="en-US"/>
           </a:p>
@@ -2648,7 +2657,7 @@
             <a:fld id="{1D8BD707-D9CF-40AE-B4C6-C98DA3205C09}" type="datetimeFigureOut">
               <a:rPr lang="en-US" smtClean="0"/>
               <a:pPr/>
-              <a:t>5/25/2021</a:t>
+              <a:t>4/28/2021</a:t>
             </a:fld>
             <a:endParaRPr lang="en-US"/>
           </a:p>
@@ -2843,9 +2852,10 @@
           </a:lstStyle>
           <a:p>
             <a:r>
-              <a:rPr kumimoji="0" lang="en-US"/>
+              <a:rPr kumimoji="0" lang="en-US" smtClean="0"/>
               <a:t>Click to edit Master title style</a:t>
             </a:r>
+            <a:endParaRPr kumimoji="0" lang="en-US"/>
           </a:p>
         </p:txBody>
       </p:sp>
@@ -2892,7 +2902,7 @@
           <a:p>
             <a:pPr lvl="0" eaLnBrk="1" latinLnBrk="0" hangingPunct="1"/>
             <a:r>
-              <a:rPr kumimoji="0" lang="en-US"/>
+              <a:rPr kumimoji="0" lang="en-US" smtClean="0"/>
               <a:t>Click to edit Master text styles</a:t>
             </a:r>
           </a:p>
@@ -2916,7 +2926,7 @@
             <a:fld id="{1D8BD707-D9CF-40AE-B4C6-C98DA3205C09}" type="datetimeFigureOut">
               <a:rPr lang="en-US" smtClean="0"/>
               <a:pPr/>
-              <a:t>5/25/2021</a:t>
+              <a:t>4/28/2021</a:t>
             </a:fld>
             <a:endParaRPr lang="en-US"/>
           </a:p>
@@ -2987,35 +2997,35 @@
           <a:p>
             <a:pPr lvl="0" eaLnBrk="1" latinLnBrk="0" hangingPunct="1"/>
             <a:r>
-              <a:rPr lang="en-US"/>
+              <a:rPr lang="en-US" smtClean="0"/>
               <a:t>Click to edit Master text styles</a:t>
             </a:r>
           </a:p>
           <a:p>
             <a:pPr lvl="1" eaLnBrk="1" latinLnBrk="0" hangingPunct="1"/>
             <a:r>
-              <a:rPr lang="en-US"/>
+              <a:rPr lang="en-US" smtClean="0"/>
               <a:t>Second level</a:t>
             </a:r>
           </a:p>
           <a:p>
             <a:pPr lvl="2" eaLnBrk="1" latinLnBrk="0" hangingPunct="1"/>
             <a:r>
-              <a:rPr lang="en-US"/>
+              <a:rPr lang="en-US" smtClean="0"/>
               <a:t>Third level</a:t>
             </a:r>
           </a:p>
           <a:p>
             <a:pPr lvl="3" eaLnBrk="1" latinLnBrk="0" hangingPunct="1"/>
             <a:r>
-              <a:rPr lang="en-US"/>
+              <a:rPr lang="en-US" smtClean="0"/>
               <a:t>Fourth level</a:t>
             </a:r>
           </a:p>
           <a:p>
             <a:pPr lvl="4" eaLnBrk="1" latinLnBrk="0" hangingPunct="1"/>
             <a:r>
-              <a:rPr lang="en-US"/>
+              <a:rPr lang="en-US" smtClean="0"/>
               <a:t>Fifth level</a:t>
             </a:r>
             <a:endParaRPr kumimoji="0" lang="en-US"/>
@@ -3075,9 +3085,10 @@
           </a:lstStyle>
           <a:p>
             <a:r>
-              <a:rPr kumimoji="0" lang="en-US"/>
+              <a:rPr kumimoji="0" lang="en-US" smtClean="0"/>
               <a:t>Click to edit Master title style</a:t>
             </a:r>
+            <a:endParaRPr kumimoji="0" lang="en-US"/>
           </a:p>
         </p:txBody>
       </p:sp>
@@ -3121,7 +3132,7 @@
           <a:p>
             <a:pPr lvl="0" eaLnBrk="1" latinLnBrk="0" hangingPunct="1"/>
             <a:r>
-              <a:rPr kumimoji="0" lang="en-US"/>
+              <a:rPr kumimoji="0" lang="en-US" smtClean="0"/>
               <a:t>Click to edit Master text styles</a:t>
             </a:r>
           </a:p>
@@ -3145,7 +3156,7 @@
             <a:fld id="{1D8BD707-D9CF-40AE-B4C6-C98DA3205C09}" type="datetimeFigureOut">
               <a:rPr lang="en-US" smtClean="0"/>
               <a:pPr/>
-              <a:t>5/25/2021</a:t>
+              <a:t>4/28/2021</a:t>
             </a:fld>
             <a:endParaRPr lang="en-US"/>
           </a:p>
@@ -3386,7 +3397,7 @@
           </a:lstStyle>
           <a:p>
             <a:r>
-              <a:rPr kumimoji="0" lang="en-US"/>
+              <a:rPr kumimoji="0" lang="en-US" smtClean="0"/>
               <a:t>Click icon to add picture</a:t>
             </a:r>
             <a:endParaRPr kumimoji="0" lang="en-US" dirty="0"/>
@@ -3543,9 +3554,10 @@
           <a:lstStyle/>
           <a:p>
             <a:r>
-              <a:rPr kumimoji="0" lang="en-US"/>
+              <a:rPr kumimoji="0" lang="en-US" smtClean="0"/>
               <a:t>Click to edit Master title style</a:t>
             </a:r>
+            <a:endParaRPr kumimoji="0" lang="en-US"/>
           </a:p>
         </p:txBody>
       </p:sp>
@@ -3576,37 +3588,38 @@
           <a:p>
             <a:pPr lvl="0" eaLnBrk="1" latinLnBrk="0" hangingPunct="1"/>
             <a:r>
-              <a:rPr kumimoji="0" lang="en-US"/>
+              <a:rPr kumimoji="0" lang="en-US" smtClean="0"/>
               <a:t>Click to edit Master text styles</a:t>
             </a:r>
           </a:p>
           <a:p>
             <a:pPr lvl="1" eaLnBrk="1" latinLnBrk="0" hangingPunct="1"/>
             <a:r>
-              <a:rPr kumimoji="0" lang="en-US"/>
+              <a:rPr kumimoji="0" lang="en-US" smtClean="0"/>
               <a:t>Second level</a:t>
             </a:r>
           </a:p>
           <a:p>
             <a:pPr lvl="2" eaLnBrk="1" latinLnBrk="0" hangingPunct="1"/>
             <a:r>
-              <a:rPr kumimoji="0" lang="en-US"/>
+              <a:rPr kumimoji="0" lang="en-US" smtClean="0"/>
               <a:t>Third level</a:t>
             </a:r>
           </a:p>
           <a:p>
             <a:pPr lvl="3" eaLnBrk="1" latinLnBrk="0" hangingPunct="1"/>
             <a:r>
-              <a:rPr kumimoji="0" lang="en-US"/>
+              <a:rPr kumimoji="0" lang="en-US" smtClean="0"/>
               <a:t>Fourth level</a:t>
             </a:r>
           </a:p>
           <a:p>
             <a:pPr lvl="4" eaLnBrk="1" latinLnBrk="0" hangingPunct="1"/>
             <a:r>
-              <a:rPr kumimoji="0" lang="en-US"/>
+              <a:rPr kumimoji="0" lang="en-US" smtClean="0"/>
               <a:t>Fifth level</a:t>
             </a:r>
+            <a:endParaRPr kumimoji="0" lang="en-US"/>
           </a:p>
         </p:txBody>
       </p:sp>
@@ -3644,7 +3657,7 @@
             <a:fld id="{1D8BD707-D9CF-40AE-B4C6-C98DA3205C09}" type="datetimeFigureOut">
               <a:rPr lang="en-US" smtClean="0"/>
               <a:pPr/>
-              <a:t>5/25/2021</a:t>
+              <a:t>4/28/2021</a:t>
             </a:fld>
             <a:endParaRPr lang="en-US"/>
           </a:p>
@@ -4086,9 +4099,10 @@
           <a:lstStyle/>
           <a:p>
             <a:r>
-              <a:rPr lang="en-IN" dirty="0"/>
+              <a:rPr lang="en-IN" dirty="0" smtClean="0"/>
               <a:t>Java Event Handling</a:t>
             </a:r>
+            <a:endParaRPr lang="en-IN" dirty="0"/>
           </a:p>
         </p:txBody>
       </p:sp>
@@ -4102,6 +4116,13 @@
   <p:clrMapOvr>
     <a:masterClrMapping/>
   </p:clrMapOvr>
+  <p:timing>
+    <p:tnLst>
+      <p:par>
+        <p:cTn id="1" dur="indefinite" restart="never" nodeType="tmRoot"/>
+      </p:par>
+    </p:tnLst>
+  </p:timing>
 </p:sld>
 </file>
 
@@ -4138,8 +4159,12 @@
           <a:lstStyle/>
           <a:p>
             <a:r>
+              <a:rPr lang="en-IN" b="1" dirty="0" smtClean="0"/>
+              <a:t>Container Event </a:t>
+            </a:r>
+            <a:r>
               <a:rPr lang="en-IN" b="1" dirty="0"/>
-              <a:t>Container Event Class</a:t>
+              <a:t>Class</a:t>
             </a:r>
             <a:endParaRPr lang="en-IN" dirty="0"/>
           </a:p>
@@ -4174,7 +4199,11 @@
             </a:r>
             <a:r>
               <a:rPr lang="en-US" dirty="0"/>
-              <a:t>is generated when a component is added to or removed from a container.</a:t>
+              <a:t>is generated when a component is added to or removed from a container</a:t>
+            </a:r>
+            <a:r>
+              <a:rPr lang="en-US" dirty="0" smtClean="0"/>
+              <a:t>.</a:t>
             </a:r>
           </a:p>
           <a:p>
@@ -4204,7 +4233,15 @@
             </a:r>
             <a:r>
               <a:rPr lang="en-US" dirty="0"/>
-              <a:t>constants that can be used to identify them: </a:t>
+              <a:t>constants </a:t>
+            </a:r>
+            <a:r>
+              <a:rPr lang="en-US" dirty="0" smtClean="0"/>
+              <a:t>that can </a:t>
+            </a:r>
+            <a:r>
+              <a:rPr lang="en-US" dirty="0"/>
+              <a:t>be used to identify them: </a:t>
             </a:r>
             <a:r>
               <a:rPr lang="en-US" b="1" dirty="0"/>
@@ -4272,8 +4309,12 @@
           <a:lstStyle/>
           <a:p>
             <a:r>
+              <a:rPr lang="en-IN" b="1" dirty="0" smtClean="0"/>
+              <a:t>Focus Event </a:t>
+            </a:r>
+            <a:r>
               <a:rPr lang="en-IN" b="1" dirty="0"/>
-              <a:t>Focus Event Class</a:t>
+              <a:t>Class</a:t>
             </a:r>
             <a:endParaRPr lang="en-IN" dirty="0"/>
           </a:p>
@@ -4308,7 +4349,15 @@
             </a:r>
             <a:r>
               <a:rPr lang="en-US" dirty="0"/>
-              <a:t>is generated when a component gains or loses input focus. These events are identified by the integer constants </a:t>
+              <a:t>is generated when a component gains or loses input focus. These events </a:t>
+            </a:r>
+            <a:r>
+              <a:rPr lang="en-US" dirty="0" smtClean="0"/>
+              <a:t>are identified </a:t>
+            </a:r>
+            <a:r>
+              <a:rPr lang="en-US" dirty="0"/>
+              <a:t>by the integer constants </a:t>
             </a:r>
             <a:r>
               <a:rPr lang="en-US" b="1" dirty="0"/>
@@ -4428,7 +4477,15 @@
             </a:r>
             <a:r>
               <a:rPr lang="en-US" dirty="0"/>
-              <a:t>and is the superclass for component input events. Its subclasses are </a:t>
+              <a:t>and is the superclass </a:t>
+            </a:r>
+            <a:r>
+              <a:rPr lang="en-US" dirty="0" smtClean="0"/>
+              <a:t>for component </a:t>
+            </a:r>
+            <a:r>
+              <a:rPr lang="en-US" dirty="0"/>
+              <a:t>input events. Its subclasses are </a:t>
             </a:r>
             <a:r>
               <a:rPr lang="en-US" b="1" dirty="0" err="1"/>
@@ -4550,7 +4607,7 @@
           <a:lstStyle/>
           <a:p>
             <a:r>
-              <a:rPr lang="en-IN" b="1" dirty="0"/>
+              <a:rPr lang="en-IN" b="1" dirty="0" smtClean="0"/>
               <a:t>Item Event Class</a:t>
             </a:r>
           </a:p>
@@ -4558,22 +4615,22 @@
             <a:endParaRPr lang="en-IN" b="1" dirty="0"/>
           </a:p>
           <a:p>
+            <a:endParaRPr lang="en-IN" b="1" dirty="0" smtClean="0"/>
+          </a:p>
+          <a:p>
             <a:endParaRPr lang="en-IN" b="1" dirty="0"/>
           </a:p>
           <a:p>
+            <a:r>
+              <a:rPr lang="en-IN" b="1" dirty="0" smtClean="0"/>
+              <a:t>Key Event Class</a:t>
+            </a:r>
+          </a:p>
+          <a:p>
             <a:endParaRPr lang="en-IN" b="1" dirty="0"/>
           </a:p>
           <a:p>
-            <a:r>
-              <a:rPr lang="en-IN" b="1" dirty="0"/>
-              <a:t>Key Event Class</a:t>
-            </a:r>
-          </a:p>
-          <a:p>
-            <a:endParaRPr lang="en-IN" b="1" dirty="0"/>
-          </a:p>
-          <a:p>
-            <a:endParaRPr lang="en-IN" b="1" dirty="0"/>
+            <a:endParaRPr lang="en-IN" b="1" dirty="0" smtClean="0"/>
           </a:p>
           <a:p>
             <a:endParaRPr lang="en-IN" b="1" dirty="0"/>
@@ -4605,37 +4662,37 @@
               <a:rPr lang="en-IN" dirty="0"/>
               <a:t>control, shift, or alt.</a:t>
             </a:r>
+            <a:endParaRPr lang="en-IN" b="1" dirty="0" smtClean="0"/>
+          </a:p>
+          <a:p>
+            <a:endParaRPr lang="en-IN" b="1" dirty="0" smtClean="0"/>
+          </a:p>
+          <a:p>
             <a:endParaRPr lang="en-IN" b="1" dirty="0"/>
           </a:p>
           <a:p>
+            <a:endParaRPr lang="en-IN" b="1" dirty="0" smtClean="0"/>
+          </a:p>
+          <a:p>
             <a:endParaRPr lang="en-IN" b="1" dirty="0"/>
           </a:p>
           <a:p>
-            <a:endParaRPr lang="en-IN" b="1" dirty="0"/>
-          </a:p>
-          <a:p>
-            <a:endParaRPr lang="en-IN" b="1" dirty="0"/>
-          </a:p>
-          <a:p>
-            <a:endParaRPr lang="en-IN" b="1" dirty="0"/>
-          </a:p>
-          <a:p>
-            <a:endParaRPr lang="en-IN" b="1" dirty="0"/>
+            <a:endParaRPr lang="en-IN" b="1" dirty="0" smtClean="0"/>
           </a:p>
           <a:p>
             <a:pPr marL="0" indent="0">
               <a:buNone/>
             </a:pPr>
+            <a:endParaRPr lang="en-IN" b="1" dirty="0" smtClean="0"/>
+          </a:p>
+          <a:p>
             <a:endParaRPr lang="en-IN" b="1" dirty="0"/>
           </a:p>
           <a:p>
-            <a:endParaRPr lang="en-IN" b="1" dirty="0"/>
-          </a:p>
-          <a:p>
-            <a:endParaRPr lang="en-IN" b="1" dirty="0"/>
-          </a:p>
-          <a:p>
-            <a:endParaRPr lang="en-IN" b="1" dirty="0"/>
+            <a:endParaRPr lang="en-IN" b="1" dirty="0" smtClean="0"/>
+          </a:p>
+          <a:p>
+            <a:endParaRPr lang="en-IN" b="1" dirty="0" smtClean="0"/>
           </a:p>
           <a:p>
             <a:endParaRPr lang="en-IN" dirty="0"/>
@@ -4736,8 +4793,12 @@
           <a:lstStyle/>
           <a:p>
             <a:r>
+              <a:rPr lang="en-IN" b="1" dirty="0" smtClean="0"/>
+              <a:t>Mouse Event </a:t>
+            </a:r>
+            <a:r>
               <a:rPr lang="en-IN" b="1" dirty="0"/>
-              <a:t>Mouse Event Class</a:t>
+              <a:t>Class</a:t>
             </a:r>
             <a:endParaRPr lang="en-IN" dirty="0"/>
           </a:p>
@@ -4760,25 +4821,25 @@
           </a:bodyPr>
           <a:lstStyle/>
           <a:p>
+            <a:endParaRPr lang="en-IN" dirty="0" smtClean="0"/>
+          </a:p>
+          <a:p>
             <a:endParaRPr lang="en-IN" dirty="0"/>
           </a:p>
           <a:p>
+            <a:endParaRPr lang="en-IN" dirty="0" smtClean="0"/>
+          </a:p>
+          <a:p>
             <a:endParaRPr lang="en-IN" dirty="0"/>
           </a:p>
           <a:p>
+            <a:endParaRPr lang="en-IN" dirty="0" smtClean="0"/>
+          </a:p>
+          <a:p>
             <a:endParaRPr lang="en-IN" dirty="0"/>
           </a:p>
           <a:p>
-            <a:endParaRPr lang="en-IN" dirty="0"/>
-          </a:p>
-          <a:p>
-            <a:endParaRPr lang="en-IN" dirty="0"/>
-          </a:p>
-          <a:p>
-            <a:endParaRPr lang="en-IN" dirty="0"/>
-          </a:p>
-          <a:p>
-            <a:endParaRPr lang="en-IN" dirty="0"/>
+            <a:endParaRPr lang="en-IN" dirty="0" smtClean="0"/>
           </a:p>
           <a:p>
             <a:r>
@@ -4795,14 +4856,27 @@
             </a:r>
             <a:r>
               <a:rPr lang="en-IN" dirty="0"/>
-              <a:t>( )</a:t>
-            </a:r>
-          </a:p>
-          <a:p>
-            <a:r>
-              <a:rPr lang="en-IN" dirty="0"/>
-              <a:t>Returns – NOBUTTON or  BUTTON1 or BUTTON2 or BUTTON3</a:t>
-            </a:r>
+              <a:t>( </a:t>
+            </a:r>
+            <a:r>
+              <a:rPr lang="en-IN" dirty="0" smtClean="0"/>
+              <a:t>)</a:t>
+            </a:r>
+          </a:p>
+          <a:p>
+            <a:r>
+              <a:rPr lang="en-IN" dirty="0" smtClean="0"/>
+              <a:t>Returns – NOBUTTON or  </a:t>
+            </a:r>
+            <a:r>
+              <a:rPr lang="en-IN" dirty="0"/>
+              <a:t>BUTTON1 </a:t>
+            </a:r>
+            <a:r>
+              <a:rPr lang="en-IN" dirty="0" smtClean="0"/>
+              <a:t>or BUTTON2 or BUTTON3</a:t>
+            </a:r>
+            <a:endParaRPr lang="en-IN" dirty="0"/>
           </a:p>
         </p:txBody>
       </p:sp>
@@ -4902,20 +4976,28 @@
               <a:rPr lang="en-IN" b="1" dirty="0"/>
               <a:t> Class</a:t>
             </a:r>
-            <a:endParaRPr lang="en-US" dirty="0"/>
+            <a:endParaRPr lang="en-US" dirty="0" smtClean="0"/>
           </a:p>
           <a:p>
             <a:pPr lvl="1"/>
             <a:r>
-              <a:rPr lang="en-US" dirty="0"/>
-              <a:t>WHEEL_BLOCK_SCROLL A page-up or page-down scroll event occurred.</a:t>
+              <a:rPr lang="en-US" dirty="0" smtClean="0"/>
+              <a:t>WHEEL_BLOCK_SCROLL </a:t>
+            </a:r>
+            <a:r>
+              <a:rPr lang="en-US" dirty="0"/>
+              <a:t>A page-up or page-down scroll event occurred.</a:t>
             </a:r>
           </a:p>
           <a:p>
             <a:pPr lvl="1"/>
             <a:r>
               <a:rPr lang="en-US" dirty="0"/>
-              <a:t>WHEEL_UNIT_SCROLL A line-up or line-down scroll event occurred.</a:t>
+              <a:t>WHEEL_UNIT_SCROLL A line-up or line-down scroll event occurred</a:t>
+            </a:r>
+            <a:r>
+              <a:rPr lang="en-US" dirty="0" smtClean="0"/>
+              <a:t>.</a:t>
             </a:r>
           </a:p>
           <a:p>
@@ -4925,7 +5007,11 @@
             </a:r>
             <a:r>
               <a:rPr lang="en-IN" b="1" dirty="0"/>
-              <a:t> Class</a:t>
+              <a:t> </a:t>
+            </a:r>
+            <a:r>
+              <a:rPr lang="en-IN" b="1" dirty="0" smtClean="0"/>
+              <a:t>Class</a:t>
             </a:r>
           </a:p>
           <a:p>
@@ -4940,10 +5026,14 @@
             </a:r>
             <a:r>
               <a:rPr lang="en-IN" dirty="0"/>
-              <a:t>defines the integer constant </a:t>
-            </a:r>
-            <a:r>
-              <a:rPr lang="en-IN" b="1" dirty="0"/>
+              <a:t>defines the integer </a:t>
+            </a:r>
+            <a:r>
+              <a:rPr lang="en-IN" dirty="0" smtClean="0"/>
+              <a:t>constant </a:t>
+            </a:r>
+            <a:r>
+              <a:rPr lang="en-IN" b="1" dirty="0" smtClean="0"/>
               <a:t>TEXT_VALUE_CHANGED</a:t>
             </a:r>
             <a:r>
@@ -5700,12 +5790,21 @@
             </a:r>
             <a:r>
               <a:rPr lang="en-US" dirty="0"/>
-              <a:t>which defines standard and consistent mechanisms to generate and process events. </a:t>
-            </a:r>
-          </a:p>
-          <a:p>
-            <a:r>
-              <a:rPr lang="en-US" dirty="0"/>
+              <a:t>which </a:t>
+            </a:r>
+            <a:r>
+              <a:rPr lang="en-US" dirty="0" smtClean="0"/>
+              <a:t>defines standard </a:t>
+            </a:r>
+            <a:r>
+              <a:rPr lang="en-US" dirty="0"/>
+              <a:t>and consistent mechanisms to generate and process events. </a:t>
+            </a:r>
+            <a:endParaRPr lang="en-US" dirty="0" smtClean="0"/>
+          </a:p>
+          <a:p>
+            <a:r>
+              <a:rPr lang="en-US" dirty="0" smtClean="0"/>
               <a:t>A </a:t>
             </a:r>
             <a:r>
@@ -5722,25 +5821,64 @@
             </a:r>
             <a:r>
               <a:rPr lang="en-US" dirty="0"/>
-              <a:t>In this scheme, the listener simply waits until it receives an event. </a:t>
-            </a:r>
-          </a:p>
-          <a:p>
-            <a:r>
-              <a:rPr lang="en-US" dirty="0"/>
-              <a:t>Once an event is received, the listener processes the event and then returns. </a:t>
-            </a:r>
-          </a:p>
-          <a:p>
-            <a:r>
-              <a:rPr lang="en-US" dirty="0"/>
-              <a:t>The advantage of this design is that the application logic that processes events is cleanly separated from the user interface logic that generates those events. </a:t>
-            </a:r>
-          </a:p>
-          <a:p>
-            <a:r>
-              <a:rPr lang="en-US" dirty="0"/>
-              <a:t>A user interface element is able to “delegate” the processing of an event to a separate piece of code.</a:t>
+              <a:t>In this scheme, the </a:t>
+            </a:r>
+            <a:r>
+              <a:rPr lang="en-US" dirty="0" smtClean="0"/>
+              <a:t>listener simply </a:t>
+            </a:r>
+            <a:r>
+              <a:rPr lang="en-US" dirty="0"/>
+              <a:t>waits until it receives an event. </a:t>
+            </a:r>
+            <a:endParaRPr lang="en-US" dirty="0" smtClean="0"/>
+          </a:p>
+          <a:p>
+            <a:r>
+              <a:rPr lang="en-US" dirty="0" smtClean="0"/>
+              <a:t>Once </a:t>
+            </a:r>
+            <a:r>
+              <a:rPr lang="en-US" dirty="0"/>
+              <a:t>an event is received, the listener processes the </a:t>
+            </a:r>
+            <a:r>
+              <a:rPr lang="en-US" dirty="0" smtClean="0"/>
+              <a:t>event and </a:t>
+            </a:r>
+            <a:r>
+              <a:rPr lang="en-US" dirty="0"/>
+              <a:t>then returns. </a:t>
+            </a:r>
+            <a:endParaRPr lang="en-US" dirty="0" smtClean="0"/>
+          </a:p>
+          <a:p>
+            <a:r>
+              <a:rPr lang="en-US" dirty="0" smtClean="0"/>
+              <a:t>The </a:t>
+            </a:r>
+            <a:r>
+              <a:rPr lang="en-US" dirty="0"/>
+              <a:t>advantage of this design is that the application logic that processes </a:t>
+            </a:r>
+            <a:r>
+              <a:rPr lang="en-US" dirty="0" smtClean="0"/>
+              <a:t>events is </a:t>
+            </a:r>
+            <a:r>
+              <a:rPr lang="en-US" dirty="0"/>
+              <a:t>cleanly separated from the user interface logic that generates those events. </a:t>
+            </a:r>
+            <a:endParaRPr lang="en-US" dirty="0" smtClean="0"/>
+          </a:p>
+          <a:p>
+            <a:r>
+              <a:rPr lang="en-US" dirty="0" smtClean="0"/>
+              <a:t>A user interface element </a:t>
+            </a:r>
+            <a:r>
+              <a:rPr lang="en-US" dirty="0"/>
+              <a:t>is able to “delegate” the processing of an event to a separate piece of code.</a:t>
             </a:r>
             <a:endParaRPr lang="en-IN" dirty="0"/>
           </a:p>
@@ -6891,9 +7029,10 @@
           <a:lstStyle/>
           <a:p>
             <a:r>
-              <a:rPr lang="en-IN" dirty="0"/>
+              <a:rPr lang="en-IN" dirty="0" smtClean="0"/>
               <a:t>Applet</a:t>
             </a:r>
+            <a:endParaRPr lang="en-IN" dirty="0"/>
           </a:p>
         </p:txBody>
       </p:sp>
@@ -6918,21 +7057,37 @@
             </a:r>
             <a:r>
               <a:rPr lang="en-US" dirty="0"/>
-              <a:t>are small applications that are accessed on an Internet server, transported over the Internet, automatically installed, and run as part of a web </a:t>
-            </a:r>
-            <a:r>
-              <a:rPr lang="en-IN" dirty="0"/>
+              <a:t>are small applications that are accessed on </a:t>
+            </a:r>
+            <a:r>
+              <a:rPr lang="en-US" dirty="0" smtClean="0"/>
+              <a:t>an Internet </a:t>
+            </a:r>
+            <a:r>
+              <a:rPr lang="en-US" dirty="0"/>
+              <a:t>server, transported over the Internet, automatically installed, and run as part of a </a:t>
+            </a:r>
+            <a:r>
+              <a:rPr lang="en-US" dirty="0" smtClean="0"/>
+              <a:t>web </a:t>
+            </a:r>
+            <a:r>
+              <a:rPr lang="en-IN" dirty="0" smtClean="0"/>
               <a:t>document.</a:t>
             </a:r>
           </a:p>
           <a:p>
             <a:r>
-              <a:rPr lang="en-IN" dirty="0"/>
+              <a:rPr lang="en-IN" dirty="0" smtClean="0"/>
               <a:t>Applets </a:t>
             </a:r>
             <a:r>
-              <a:rPr lang="en-US" dirty="0"/>
-              <a:t>are not structured in the same way as the programs that have been used thus far.</a:t>
+              <a:rPr lang="en-US" dirty="0" smtClean="0"/>
+              <a:t>are </a:t>
+            </a:r>
+            <a:r>
+              <a:rPr lang="en-US" dirty="0"/>
+              <a:t>not structured in the same way as the programs that have been used thus far.</a:t>
             </a:r>
             <a:endParaRPr lang="en-IN" dirty="0"/>
           </a:p>
@@ -7067,8 +7222,12 @@
               <a:buNone/>
             </a:pPr>
             <a:r>
+              <a:rPr lang="en-IN" i="1" dirty="0" smtClean="0"/>
+              <a:t>	public </a:t>
+            </a:r>
+            <a:r>
               <a:rPr lang="en-IN" i="1" dirty="0"/>
-              <a:t>	public void paint(Graphics g) {</a:t>
+              <a:t>void paint(Graphics g) {</a:t>
             </a:r>
           </a:p>
           <a:p>
@@ -7076,11 +7235,11 @@
               <a:buNone/>
             </a:pPr>
             <a:r>
-              <a:rPr lang="en-US" i="1" dirty="0"/>
+              <a:rPr lang="en-US" i="1" dirty="0" smtClean="0"/>
               <a:t>		</a:t>
             </a:r>
             <a:r>
-              <a:rPr lang="en-US" i="1" dirty="0" err="1"/>
+              <a:rPr lang="en-US" i="1" dirty="0" err="1" smtClean="0"/>
               <a:t>g.drawString</a:t>
             </a:r>
             <a:r>
@@ -7093,16 +7252,17 @@
               <a:buNone/>
             </a:pPr>
             <a:r>
-              <a:rPr lang="en-IN" i="1" dirty="0"/>
+              <a:rPr lang="en-IN" i="1" dirty="0" smtClean="0"/>
               <a:t>	}</a:t>
             </a:r>
+            <a:endParaRPr lang="en-IN" i="1" dirty="0"/>
           </a:p>
           <a:p>
             <a:pPr marL="0" indent="0">
               <a:buNone/>
             </a:pPr>
             <a:r>
-              <a:rPr lang="en-IN" i="1" dirty="0"/>
+              <a:rPr lang="en-IN" i="1" dirty="0" smtClean="0"/>
               <a:t>}</a:t>
             </a:r>
           </a:p>
@@ -7113,7 +7273,19 @@
             </a:r>
             <a:r>
               <a:rPr lang="en-US" dirty="0"/>
-              <a:t>is called each time that the applet must redisplay its output. This situation can occur for several reasons.</a:t>
+              <a:t>is called each time that the applet must redisplay </a:t>
+            </a:r>
+            <a:r>
+              <a:rPr lang="en-US" dirty="0" smtClean="0"/>
+              <a:t>its output</a:t>
+            </a:r>
+            <a:r>
+              <a:rPr lang="en-US" dirty="0"/>
+              <a:t>. This situation can occur for several reasons</a:t>
+            </a:r>
+            <a:r>
+              <a:rPr lang="en-US" dirty="0" smtClean="0"/>
+              <a:t>.</a:t>
             </a:r>
           </a:p>
           <a:p>
@@ -7123,7 +7295,15 @@
             </a:r>
             <a:r>
               <a:rPr lang="en-US" dirty="0"/>
-              <a:t>is also called when the applet begins execution. Whatever the cause, whenever the applet must redraw its output, </a:t>
+              <a:t>is also called when the applet </a:t>
+            </a:r>
+            <a:r>
+              <a:rPr lang="en-US" dirty="0" smtClean="0"/>
+              <a:t>begins execution</a:t>
+            </a:r>
+            <a:r>
+              <a:rPr lang="en-US" dirty="0"/>
+              <a:t>. Whatever the cause, whenever the applet must redraw its output, </a:t>
             </a:r>
             <a:r>
               <a:rPr lang="en-US" b="1" dirty="0"/>
@@ -7131,7 +7311,11 @@
             </a:r>
             <a:r>
               <a:rPr lang="en-US" dirty="0"/>
-              <a:t>is called.</a:t>
+              <a:t>is called</a:t>
+            </a:r>
+            <a:r>
+              <a:rPr lang="en-US" dirty="0" smtClean="0"/>
+              <a:t>.</a:t>
             </a:r>
           </a:p>
           <a:p>
@@ -7247,14 +7431,30 @@
           </a:p>
           <a:p>
             <a:r>
-              <a:rPr lang="en-US" dirty="0"/>
-              <a:t>Applets must be run under an applet viewer or a Java-compatible browser.</a:t>
-            </a:r>
-          </a:p>
-          <a:p>
-            <a:r>
-              <a:rPr lang="en-US" dirty="0"/>
-              <a:t>User I/O is not accomplished with Java’s stream I/O classes. Instead, applets use the interface provided by the AWT or Swing.</a:t>
+              <a:rPr lang="en-US" dirty="0" smtClean="0"/>
+              <a:t>Applets </a:t>
+            </a:r>
+            <a:r>
+              <a:rPr lang="en-US" dirty="0"/>
+              <a:t>must be run under an applet viewer or a Java-compatible browser.</a:t>
+            </a:r>
+          </a:p>
+          <a:p>
+            <a:r>
+              <a:rPr lang="en-US" dirty="0" smtClean="0"/>
+              <a:t>User </a:t>
+            </a:r>
+            <a:r>
+              <a:rPr lang="en-US" dirty="0"/>
+              <a:t>I/O is not accomplished with Java’s stream I/O classes. Instead, applets </a:t>
+            </a:r>
+            <a:r>
+              <a:rPr lang="en-US" dirty="0" smtClean="0"/>
+              <a:t>use the </a:t>
+            </a:r>
+            <a:r>
+              <a:rPr lang="en-US" dirty="0"/>
+              <a:t>interface provided by the AWT or Swing.</a:t>
             </a:r>
             <a:endParaRPr lang="en-IN" dirty="0"/>
           </a:p>
@@ -7359,7 +7559,7 @@
               <a:t>and the </a:t>
             </a:r>
             <a:r>
-              <a:rPr lang="en-US" b="1" dirty="0" err="1"/>
+              <a:rPr lang="en-US" b="1" dirty="0" err="1" smtClean="0"/>
               <a:t>MouseMotionListener</a:t>
             </a:r>
             <a:r>
@@ -7367,40 +7567,96 @@
               <a:t> </a:t>
             </a:r>
             <a:r>
-              <a:rPr lang="en-US" dirty="0"/>
-              <a:t>interfaces. </a:t>
-            </a:r>
-          </a:p>
-          <a:p>
-            <a:r>
-              <a:rPr lang="en-US" dirty="0"/>
-              <a:t>Our program applet demonstrates the process. </a:t>
-            </a:r>
-          </a:p>
-          <a:p>
-            <a:r>
-              <a:rPr lang="en-US" dirty="0"/>
-              <a:t>It displays the current coordinates of the mouse in the applet’s status window. </a:t>
-            </a:r>
-          </a:p>
-          <a:p>
-            <a:r>
-              <a:rPr lang="en-US" dirty="0"/>
-              <a:t>Each time a button is pressed, the word “Down” is displayed at the location of the mouse pointer. Each time the button is released, the word “Up” is shown. </a:t>
-            </a:r>
-          </a:p>
-          <a:p>
-            <a:r>
-              <a:rPr lang="en-US" dirty="0"/>
-              <a:t>If a button is clicked, the message “Mouse clicked” is displayed in the </a:t>
-            </a:r>
-            <a:r>
-              <a:rPr lang="en-US" dirty="0" err="1"/>
+              <a:rPr lang="en-US" dirty="0" smtClean="0"/>
+              <a:t>interfaces</a:t>
+            </a:r>
+            <a:r>
+              <a:rPr lang="en-US" dirty="0"/>
+              <a:t>. </a:t>
+            </a:r>
+            <a:endParaRPr lang="en-US" dirty="0" smtClean="0"/>
+          </a:p>
+          <a:p>
+            <a:r>
+              <a:rPr lang="en-US" dirty="0" smtClean="0"/>
+              <a:t>Our program applet </a:t>
+            </a:r>
+            <a:r>
+              <a:rPr lang="en-US" dirty="0"/>
+              <a:t>demonstrates the process. </a:t>
+            </a:r>
+            <a:endParaRPr lang="en-US" dirty="0" smtClean="0"/>
+          </a:p>
+          <a:p>
+            <a:r>
+              <a:rPr lang="en-US" dirty="0" smtClean="0"/>
+              <a:t>It </a:t>
+            </a:r>
+            <a:r>
+              <a:rPr lang="en-US" dirty="0"/>
+              <a:t>displays the current </a:t>
+            </a:r>
+            <a:r>
+              <a:rPr lang="en-US" dirty="0" smtClean="0"/>
+              <a:t>coordinates of </a:t>
+            </a:r>
+            <a:r>
+              <a:rPr lang="en-US" dirty="0"/>
+              <a:t>the mouse in the applet’s status window. </a:t>
+            </a:r>
+            <a:endParaRPr lang="en-US" dirty="0" smtClean="0"/>
+          </a:p>
+          <a:p>
+            <a:r>
+              <a:rPr lang="en-US" dirty="0" smtClean="0"/>
+              <a:t>Each </a:t>
+            </a:r>
+            <a:r>
+              <a:rPr lang="en-US" dirty="0"/>
+              <a:t>time a button is pressed, the word “</a:t>
+            </a:r>
+            <a:r>
+              <a:rPr lang="en-US" dirty="0" smtClean="0"/>
+              <a:t>Down” is </a:t>
+            </a:r>
+            <a:r>
+              <a:rPr lang="en-US" dirty="0"/>
+              <a:t>displayed at the location of the mouse pointer. Each time the button is released, the </a:t>
+            </a:r>
+            <a:r>
+              <a:rPr lang="en-US" dirty="0" smtClean="0"/>
+              <a:t>word “Up</a:t>
+            </a:r>
+            <a:r>
+              <a:rPr lang="en-US" dirty="0"/>
+              <a:t>” is shown. </a:t>
+            </a:r>
+            <a:endParaRPr lang="en-US" dirty="0" smtClean="0"/>
+          </a:p>
+          <a:p>
+            <a:r>
+              <a:rPr lang="en-US" dirty="0" smtClean="0"/>
+              <a:t>If </a:t>
+            </a:r>
+            <a:r>
+              <a:rPr lang="en-US" dirty="0"/>
+              <a:t>a button is clicked, the message “Mouse clicked” is displayed in the </a:t>
+            </a:r>
+            <a:r>
+              <a:rPr lang="en-US" dirty="0" err="1" smtClean="0"/>
               <a:t>upperleft</a:t>
             </a:r>
             <a:r>
               <a:rPr lang="en-US" dirty="0"/>
-              <a:t> corner of the applet display area.</a:t>
+              <a:t> </a:t>
+            </a:r>
+            <a:r>
+              <a:rPr lang="en-US" dirty="0" smtClean="0"/>
+              <a:t>corner </a:t>
+            </a:r>
+            <a:r>
+              <a:rPr lang="en-US" dirty="0"/>
+              <a:t>of the applet display area.</a:t>
             </a:r>
           </a:p>
           <a:p>
@@ -7518,13 +7774,21 @@
             </a:r>
             <a:r>
               <a:rPr lang="en-US" dirty="0"/>
-              <a:t>to display output at the point of these occurrences.</a:t>
-            </a:r>
-          </a:p>
-          <a:p>
-            <a:r>
-              <a:rPr lang="en-US" dirty="0"/>
-              <a:t>Refer MouseEvents.pdf</a:t>
+              <a:t>to display output at the point of these occurrences</a:t>
+            </a:r>
+            <a:r>
+              <a:rPr lang="en-US" dirty="0" smtClean="0"/>
+              <a:t>.</a:t>
+            </a:r>
+          </a:p>
+          <a:p>
+            <a:r>
+              <a:rPr lang="en-US" dirty="0"/>
+              <a:t>Refer </a:t>
+            </a:r>
+            <a:r>
+              <a:rPr lang="en-US" dirty="0" smtClean="0"/>
+              <a:t>MouseEvents.pdf</a:t>
             </a:r>
             <a:endParaRPr lang="en-IN" dirty="0"/>
           </a:p>
@@ -7601,12 +7865,16 @@
           <a:lstStyle/>
           <a:p>
             <a:r>
-              <a:rPr lang="en-IN" dirty="0"/>
+              <a:rPr lang="en-IN" dirty="0" smtClean="0"/>
               <a:t>When </a:t>
             </a:r>
             <a:r>
-              <a:rPr lang="en-US" dirty="0"/>
-              <a:t>a key is pressed, a </a:t>
+              <a:rPr lang="en-US" dirty="0" smtClean="0"/>
+              <a:t>a </a:t>
+            </a:r>
+            <a:r>
+              <a:rPr lang="en-US" dirty="0"/>
+              <a:t>key is pressed, a </a:t>
             </a:r>
             <a:r>
               <a:rPr lang="en-US" b="1" dirty="0"/>
@@ -7622,17 +7890,30 @@
             </a:r>
             <a:r>
               <a:rPr lang="en-US" b="1" dirty="0"/>
-              <a:t>( ) </a:t>
-            </a:r>
-            <a:r>
-              <a:rPr lang="en-US" dirty="0"/>
-              <a:t>event handler. </a:t>
-            </a:r>
-          </a:p>
-          <a:p>
-            <a:r>
-              <a:rPr lang="en-US" dirty="0"/>
-              <a:t>When the key is released, a </a:t>
+              <a:t>( </a:t>
+            </a:r>
+            <a:r>
+              <a:rPr lang="en-US" b="1" dirty="0" smtClean="0"/>
+              <a:t>) </a:t>
+            </a:r>
+            <a:r>
+              <a:rPr lang="en-US" dirty="0" smtClean="0"/>
+              <a:t>event </a:t>
+            </a:r>
+            <a:r>
+              <a:rPr lang="en-US" dirty="0"/>
+              <a:t>handler. </a:t>
+            </a:r>
+            <a:endParaRPr lang="en-US" dirty="0" smtClean="0"/>
+          </a:p>
+          <a:p>
+            <a:r>
+              <a:rPr lang="en-US" dirty="0" smtClean="0"/>
+              <a:t>When </a:t>
+            </a:r>
+            <a:r>
+              <a:rPr lang="en-US" dirty="0"/>
+              <a:t>the key is released, a </a:t>
             </a:r>
             <a:r>
               <a:rPr lang="en-US" b="1" dirty="0"/>
@@ -7640,10 +7921,14 @@
             </a:r>
             <a:r>
               <a:rPr lang="en-US" dirty="0"/>
-              <a:t>event is generated and the </a:t>
-            </a:r>
-            <a:r>
-              <a:rPr lang="en-US" b="1" dirty="0" err="1"/>
+              <a:t>event is generated and </a:t>
+            </a:r>
+            <a:r>
+              <a:rPr lang="en-US" dirty="0" smtClean="0"/>
+              <a:t>the </a:t>
+            </a:r>
+            <a:r>
+              <a:rPr lang="en-US" b="1" dirty="0" err="1" smtClean="0"/>
               <a:t>keyReleased</a:t>
             </a:r>
             <a:r>
@@ -7654,14 +7939,23 @@
               <a:rPr lang="en-US" dirty="0"/>
               <a:t>handler is executed. </a:t>
             </a:r>
-          </a:p>
-          <a:p>
-            <a:r>
-              <a:rPr lang="en-US" dirty="0"/>
-              <a:t>If a character is generated by the keystroke, then a </a:t>
-            </a:r>
-            <a:r>
-              <a:rPr lang="en-US" b="1" dirty="0"/>
+            <a:endParaRPr lang="en-US" dirty="0" smtClean="0"/>
+          </a:p>
+          <a:p>
+            <a:r>
+              <a:rPr lang="en-US" dirty="0" smtClean="0"/>
+              <a:t>If </a:t>
+            </a:r>
+            <a:r>
+              <a:rPr lang="en-US" dirty="0"/>
+              <a:t>a character is generated by the keystroke, then </a:t>
+            </a:r>
+            <a:r>
+              <a:rPr lang="en-US" dirty="0" smtClean="0"/>
+              <a:t>a </a:t>
+            </a:r>
+            <a:r>
+              <a:rPr lang="en-US" b="1" dirty="0" smtClean="0"/>
               <a:t>KEY_TYPED </a:t>
             </a:r>
             <a:r>
@@ -7680,11 +7974,28 @@
               <a:rPr lang="en-US" dirty="0"/>
               <a:t>handler is invoked. </a:t>
             </a:r>
-          </a:p>
-          <a:p>
-            <a:r>
-              <a:rPr lang="en-US" dirty="0"/>
-              <a:t>Thus, each time the user presses a key, at least two and often three events are generated.</a:t>
+            <a:endParaRPr lang="en-US" dirty="0" smtClean="0"/>
+          </a:p>
+          <a:p>
+            <a:r>
+              <a:rPr lang="en-US" dirty="0" smtClean="0"/>
+              <a:t>Thus</a:t>
+            </a:r>
+            <a:r>
+              <a:rPr lang="en-US" dirty="0"/>
+              <a:t>, each time the </a:t>
+            </a:r>
+            <a:r>
+              <a:rPr lang="en-US" dirty="0" smtClean="0"/>
+              <a:t>user presses </a:t>
+            </a:r>
+            <a:r>
+              <a:rPr lang="en-US" dirty="0"/>
+              <a:t>a key, at least two and often three events are generated</a:t>
+            </a:r>
+            <a:r>
+              <a:rPr lang="en-US" dirty="0" smtClean="0"/>
+              <a:t>.</a:t>
             </a:r>
           </a:p>
           <a:p>
@@ -7694,7 +8005,11 @@
             </a:r>
             <a:r>
               <a:rPr lang="en-US"/>
-              <a:t>and KeyEvents.pdf</a:t>
+              <a:t>and </a:t>
+            </a:r>
+            <a:r>
+              <a:rPr lang="en-US" smtClean="0"/>
+              <a:t>KeyEvents.pdf</a:t>
             </a:r>
             <a:endParaRPr lang="en-IN" dirty="0"/>
           </a:p>
@@ -7769,7 +8084,7 @@
           <a:lstStyle/>
           <a:p>
             <a:r>
-              <a:rPr lang="en-US" dirty="0"/>
+              <a:rPr lang="en-US" dirty="0" smtClean="0"/>
               <a:t>An </a:t>
             </a:r>
             <a:r>
@@ -7780,21 +8095,43 @@
               <a:rPr lang="en-US" dirty="0"/>
               <a:t>is an object that describes a state change in a source. </a:t>
             </a:r>
-          </a:p>
-          <a:p>
-            <a:r>
-              <a:rPr lang="en-US" dirty="0"/>
-              <a:t>It can be generated as a consequence of a person interacting with the elements in a graphical user interface. </a:t>
-            </a:r>
-          </a:p>
-          <a:p>
-            <a:r>
-              <a:rPr lang="en-US" dirty="0"/>
-              <a:t>Some of the activities that cause events to be generated are pressing a button</a:t>
+            <a:endParaRPr lang="en-US" dirty="0" smtClean="0"/>
+          </a:p>
+          <a:p>
+            <a:r>
+              <a:rPr lang="en-US" dirty="0" smtClean="0"/>
+              <a:t>It can be </a:t>
+            </a:r>
+            <a:r>
+              <a:rPr lang="en-US" dirty="0"/>
+              <a:t>generated as a consequence of a person interacting with the elements in a graphical </a:t>
+            </a:r>
+            <a:r>
+              <a:rPr lang="en-US" dirty="0" smtClean="0"/>
+              <a:t>user interface</a:t>
+            </a:r>
+            <a:r>
+              <a:rPr lang="en-US" dirty="0"/>
+              <a:t>. </a:t>
+            </a:r>
+            <a:endParaRPr lang="en-US" dirty="0" smtClean="0"/>
+          </a:p>
+          <a:p>
+            <a:r>
+              <a:rPr lang="en-US" dirty="0" smtClean="0"/>
+              <a:t>Some </a:t>
+            </a:r>
+            <a:r>
+              <a:rPr lang="en-US" dirty="0"/>
+              <a:t>of the activities that cause events to be generated are pressing a button</a:t>
             </a:r>
             <a:r>
               <a:rPr lang="en-US"/>
-              <a:t>, entering a </a:t>
+              <a:t>, </a:t>
+            </a:r>
+            <a:r>
+              <a:rPr lang="en-US" smtClean="0"/>
+              <a:t>entering a </a:t>
             </a:r>
             <a:r>
               <a:rPr lang="en-US" dirty="0"/>
@@ -7875,26 +8212,58 @@
           <a:lstStyle/>
           <a:p>
             <a:r>
-              <a:rPr lang="en-US" dirty="0"/>
+              <a:rPr lang="en-US" dirty="0" smtClean="0"/>
               <a:t>A </a:t>
             </a:r>
             <a:r>
-              <a:rPr lang="en-US" i="1" dirty="0"/>
+              <a:rPr lang="en-US" i="1" dirty="0" smtClean="0"/>
               <a:t>source </a:t>
             </a:r>
             <a:r>
               <a:rPr lang="en-US" dirty="0"/>
-              <a:t>is an object that generates an event. This occurs when the internal state of that object changes in some way. Sources may generate more than one type of event.</a:t>
-            </a:r>
-          </a:p>
-          <a:p>
-            <a:r>
-              <a:rPr lang="en-US" dirty="0"/>
-              <a:t>A source must register listeners in order for the listeners to receive notifications about a specific type of event. Each type of event has its own registration method. Here is the </a:t>
-            </a:r>
-            <a:r>
-              <a:rPr lang="en-IN" dirty="0"/>
-              <a:t>general form:</a:t>
+              <a:t>is an object that generates an event. This occurs when the internal state of that </a:t>
+            </a:r>
+            <a:r>
+              <a:rPr lang="en-US" dirty="0" smtClean="0"/>
+              <a:t>object changes </a:t>
+            </a:r>
+            <a:r>
+              <a:rPr lang="en-US" dirty="0"/>
+              <a:t>in some way. Sources may generate more than one type of event</a:t>
+            </a:r>
+            <a:r>
+              <a:rPr lang="en-US" dirty="0" smtClean="0"/>
+              <a:t>.</a:t>
+            </a:r>
+          </a:p>
+          <a:p>
+            <a:r>
+              <a:rPr lang="en-US" dirty="0" smtClean="0"/>
+              <a:t>A source </a:t>
+            </a:r>
+            <a:r>
+              <a:rPr lang="en-US" dirty="0"/>
+              <a:t>must register listeners in order for the listeners to receive notifications </a:t>
+            </a:r>
+            <a:r>
+              <a:rPr lang="en-US" dirty="0" smtClean="0"/>
+              <a:t>about a </a:t>
+            </a:r>
+            <a:r>
+              <a:rPr lang="en-US" dirty="0"/>
+              <a:t>specific type of event. Each type of event has its own registration method. Here is </a:t>
+            </a:r>
+            <a:r>
+              <a:rPr lang="en-US" dirty="0" smtClean="0"/>
+              <a:t>the </a:t>
+            </a:r>
+            <a:r>
+              <a:rPr lang="en-IN" dirty="0" smtClean="0"/>
+              <a:t>general </a:t>
+            </a:r>
+            <a:r>
+              <a:rPr lang="en-IN" dirty="0"/>
+              <a:t>form:</a:t>
             </a:r>
           </a:p>
           <a:p>
@@ -7902,12 +8271,16 @@
               <a:buNone/>
             </a:pPr>
             <a:r>
-              <a:rPr lang="en-IN" dirty="0"/>
+              <a:rPr lang="en-IN" dirty="0" smtClean="0"/>
               <a:t>	</a:t>
             </a:r>
             <a:r>
+              <a:rPr lang="en-IN" i="1" dirty="0" smtClean="0"/>
+              <a:t>public </a:t>
+            </a:r>
+            <a:r>
               <a:rPr lang="en-IN" i="1" dirty="0"/>
-              <a:t>public void </a:t>
+              <a:t>void </a:t>
             </a:r>
             <a:r>
               <a:rPr lang="en-IN" i="1" dirty="0" err="1"/>
@@ -7923,7 +8296,11 @@
             </a:r>
             <a:r>
               <a:rPr lang="en-IN" i="1" dirty="0"/>
-              <a:t> el)</a:t>
+              <a:t> el</a:t>
+            </a:r>
+            <a:r>
+              <a:rPr lang="en-IN" i="1" dirty="0" smtClean="0"/>
+              <a:t>)</a:t>
             </a:r>
           </a:p>
           <a:p>
@@ -7932,7 +8309,11 @@
             </a:pPr>
             <a:r>
               <a:rPr lang="en-US" dirty="0"/>
-              <a:t>Type is the name of the event, and el is a reference to the event listener. </a:t>
+              <a:t>Type is the name of the event, and el is a reference to the event </a:t>
+            </a:r>
+            <a:r>
+              <a:rPr lang="en-US" dirty="0" smtClean="0"/>
+              <a:t>listener. </a:t>
             </a:r>
           </a:p>
           <a:p>
@@ -7940,11 +8321,11 @@
               <a:buNone/>
             </a:pPr>
             <a:r>
-              <a:rPr lang="en-US" dirty="0" err="1"/>
+              <a:rPr lang="en-US" dirty="0" err="1" smtClean="0"/>
               <a:t>Eg</a:t>
             </a:r>
             <a:r>
-              <a:rPr lang="en-US" dirty="0"/>
+              <a:rPr lang="en-US" dirty="0" smtClean="0"/>
               <a:t>. </a:t>
             </a:r>
             <a:r>
@@ -7953,7 +8334,11 @@
             </a:r>
             <a:r>
               <a:rPr lang="en-IN" dirty="0"/>
-              <a:t>( ) for key</a:t>
+              <a:t>( </a:t>
+            </a:r>
+            <a:r>
+              <a:rPr lang="en-IN" dirty="0" smtClean="0"/>
+              <a:t>) for key</a:t>
             </a:r>
           </a:p>
           <a:p>
@@ -7961,16 +8346,20 @@
               <a:buNone/>
             </a:pPr>
             <a:r>
-              <a:rPr lang="en-IN" dirty="0"/>
+              <a:rPr lang="en-IN" dirty="0" smtClean="0"/>
               <a:t>     </a:t>
             </a:r>
             <a:r>
-              <a:rPr lang="en-IN" dirty="0" err="1"/>
+              <a:rPr lang="en-IN" dirty="0" err="1" smtClean="0"/>
               <a:t>addMouseMotionListener</a:t>
             </a:r>
             <a:r>
               <a:rPr lang="en-IN" dirty="0"/>
-              <a:t>( ).for mouse motions</a:t>
+              <a:t>( </a:t>
+            </a:r>
+            <a:r>
+              <a:rPr lang="en-IN" dirty="0" smtClean="0"/>
+              <a:t>).for mouse motions</a:t>
             </a:r>
             <a:endParaRPr lang="en-IN" i="1" dirty="0"/>
           </a:p>
@@ -8046,7 +8435,15 @@
           <a:p>
             <a:r>
               <a:rPr lang="en-US" dirty="0"/>
-              <a:t>A source must also provide a method that allows a listener to unregister an interest in a specific type of event. The general form of such a method is this:</a:t>
+              <a:t>A source must also provide a method that allows a listener to unregister an </a:t>
+            </a:r>
+            <a:r>
+              <a:rPr lang="en-US" dirty="0" smtClean="0"/>
+              <a:t>interest in </a:t>
+            </a:r>
+            <a:r>
+              <a:rPr lang="en-US" dirty="0"/>
+              <a:t>a specific type of event. The general form of such a method is this:</a:t>
             </a:r>
           </a:p>
           <a:p>
@@ -8058,20 +8455,28 @@
               <a:t>public void </a:t>
             </a:r>
             <a:r>
-              <a:rPr lang="en-IN" i="1" dirty="0" err="1"/>
+              <a:rPr lang="en-IN" i="1" dirty="0" err="1" smtClean="0"/>
               <a:t>removeTypeListener</a:t>
             </a:r>
             <a:r>
+              <a:rPr lang="en-IN" i="1" dirty="0" smtClean="0"/>
+              <a:t>(</a:t>
+            </a:r>
+            <a:r>
+              <a:rPr lang="en-IN" i="1" dirty="0" err="1" smtClean="0"/>
+              <a:t>TypeListener</a:t>
+            </a:r>
+            <a:r>
+              <a:rPr lang="en-IN" i="1" dirty="0" smtClean="0"/>
+              <a:t> </a:t>
+            </a:r>
+            <a:r>
               <a:rPr lang="en-IN" i="1" dirty="0"/>
-              <a:t>(</a:t>
-            </a:r>
-            <a:r>
-              <a:rPr lang="en-IN" i="1" dirty="0" err="1"/>
-              <a:t>TypeListener</a:t>
-            </a:r>
-            <a:r>
-              <a:rPr lang="en-IN" i="1" dirty="0"/>
-              <a:t> el)</a:t>
+              <a:t>el</a:t>
+            </a:r>
+            <a:r>
+              <a:rPr lang="en-IN" i="1" dirty="0" smtClean="0"/>
+              <a:t>)</a:t>
             </a:r>
           </a:p>
           <a:p>
@@ -8085,11 +8490,11 @@
               <a:buNone/>
             </a:pPr>
             <a:r>
-              <a:rPr lang="en-IN" dirty="0" err="1"/>
+              <a:rPr lang="en-IN" dirty="0" err="1" smtClean="0"/>
               <a:t>Eg</a:t>
             </a:r>
             <a:r>
-              <a:rPr lang="en-IN" i="1" dirty="0"/>
+              <a:rPr lang="en-IN" i="1" dirty="0" smtClean="0"/>
               <a:t>. </a:t>
             </a:r>
             <a:r>
@@ -8098,10 +8503,14 @@
             </a:r>
             <a:r>
               <a:rPr lang="en-IN" b="1" dirty="0"/>
-              <a:t>( )</a:t>
-            </a:r>
-            <a:r>
-              <a:rPr lang="en-IN" dirty="0"/>
+              <a:t>( </a:t>
+            </a:r>
+            <a:r>
+              <a:rPr lang="en-IN" b="1" dirty="0" smtClean="0"/>
+              <a:t>)</a:t>
+            </a:r>
+            <a:r>
+              <a:rPr lang="en-IN" dirty="0" smtClean="0"/>
               <a:t>.to remove keyboard listener</a:t>
             </a:r>
             <a:endParaRPr lang="en-IN" i="1" dirty="0"/>
@@ -8178,7 +8587,27 @@
           <a:p>
             <a:r>
               <a:rPr lang="en-US" dirty="0"/>
-              <a:t>The classes that represent events are at the core of Java’s event handling mechanism. Thus, a discussion of event handling must begin with the event classes.</a:t>
+              <a:t>The classes that represent events are at the core of Java’s event handling mechanism. Thus, </a:t>
+            </a:r>
+            <a:r>
+              <a:rPr lang="en-US" dirty="0" smtClean="0"/>
+              <a:t>a discussion </a:t>
+            </a:r>
+            <a:r>
+              <a:rPr lang="en-US" dirty="0"/>
+              <a:t>of event handling must begin with </a:t>
+            </a:r>
+            <a:r>
+              <a:rPr lang="en-US" dirty="0" smtClean="0"/>
+              <a:t>the </a:t>
+            </a:r>
+            <a:r>
+              <a:rPr lang="en-US" dirty="0"/>
+              <a:t>event classes</a:t>
+            </a:r>
+            <a:r>
+              <a:rPr lang="en-US" dirty="0" smtClean="0"/>
+              <a:t>.</a:t>
             </a:r>
           </a:p>
           <a:p>
@@ -8187,10 +8616,10 @@
               <a:t>At the root of the Java event class hierarchy is </a:t>
             </a:r>
             <a:r>
-              <a:rPr lang="en-US" b="1" dirty="0" err="1"/>
+              <a:rPr lang="en-US" b="1" dirty="0" err="1" smtClean="0"/>
               <a:t>EventObject</a:t>
             </a:r>
-            <a:endParaRPr lang="en-US" b="1" dirty="0"/>
+            <a:endParaRPr lang="en-US" b="1" dirty="0" smtClean="0"/>
           </a:p>
           <a:p>
             <a:r>
@@ -8206,7 +8635,7 @@
               <a:t>src</a:t>
             </a:r>
             <a:r>
-              <a:rPr lang="en-IN" dirty="0"/>
+              <a:rPr lang="en-IN" dirty="0" smtClean="0"/>
               <a:t>)</a:t>
             </a:r>
           </a:p>
@@ -8389,8 +8818,12 @@
           <a:lstStyle/>
           <a:p>
             <a:r>
+              <a:rPr lang="en-IN" b="1" dirty="0" smtClean="0"/>
+              <a:t>Adjustment Event </a:t>
+            </a:r>
+            <a:r>
               <a:rPr lang="en-IN" b="1" dirty="0"/>
-              <a:t>Adjustment Event Class</a:t>
+              <a:t>Class</a:t>
             </a:r>
             <a:endParaRPr lang="en-IN" dirty="0"/>
           </a:p>
@@ -8420,31 +8853,43 @@
           <a:p>
             <a:r>
               <a:rPr lang="en-US" dirty="0"/>
-              <a:t>There are five types of adjustment events.</a:t>
+              <a:t>There are five </a:t>
+            </a:r>
+            <a:r>
+              <a:rPr lang="en-US" dirty="0" smtClean="0"/>
+              <a:t>types </a:t>
+            </a:r>
+            <a:r>
+              <a:rPr lang="en-US" dirty="0"/>
+              <a:t>of adjustment events</a:t>
+            </a:r>
+            <a:r>
+              <a:rPr lang="en-US" dirty="0" smtClean="0"/>
+              <a:t>.</a:t>
             </a:r>
           </a:p>
           <a:p>
             <a:endParaRPr lang="en-US" dirty="0"/>
           </a:p>
           <a:p>
+            <a:endParaRPr lang="en-US" dirty="0" smtClean="0"/>
+          </a:p>
+          <a:p>
             <a:endParaRPr lang="en-US" dirty="0"/>
           </a:p>
           <a:p>
+            <a:endParaRPr lang="en-US" dirty="0" smtClean="0"/>
+          </a:p>
+          <a:p>
             <a:endParaRPr lang="en-US" dirty="0"/>
           </a:p>
           <a:p>
-            <a:endParaRPr lang="en-US" dirty="0"/>
-          </a:p>
-          <a:p>
-            <a:endParaRPr lang="en-US" dirty="0"/>
-          </a:p>
-          <a:p>
-            <a:r>
-              <a:rPr lang="en-US" dirty="0" err="1"/>
+            <a:r>
+              <a:rPr lang="en-US" dirty="0" err="1" smtClean="0"/>
               <a:t>AdjustmentEvent</a:t>
             </a:r>
             <a:r>
-              <a:rPr lang="en-US" dirty="0"/>
+              <a:rPr lang="en-US" dirty="0" smtClean="0"/>
               <a:t>(Adjustable </a:t>
             </a:r>
             <a:r>
@@ -8500,7 +8945,7 @@
               <a:t>data</a:t>
             </a:r>
             <a:r>
-              <a:rPr lang="en-US" dirty="0"/>
+              <a:rPr lang="en-US" dirty="0" smtClean="0"/>
               <a:t>)</a:t>
             </a:r>
           </a:p>
@@ -8523,7 +8968,15 @@
             </a:r>
             <a:r>
               <a:rPr lang="en-US" dirty="0"/>
-              <a:t>specifies the event. The type of the adjustment is specified by </a:t>
+              <a:t>specifies the event. </a:t>
+            </a:r>
+            <a:r>
+              <a:rPr lang="en-US" dirty="0" smtClean="0"/>
+              <a:t>The type </a:t>
+            </a:r>
+            <a:r>
+              <a:rPr lang="en-US" dirty="0"/>
+              <a:t>of the adjustment is specified by </a:t>
             </a:r>
             <a:r>
               <a:rPr lang="en-US" i="1" dirty="0"/>
@@ -8537,7 +8990,7 @@
               <a:rPr lang="en-US" i="1" dirty="0"/>
               <a:t>data.</a:t>
             </a:r>
-            <a:endParaRPr lang="en-US" dirty="0"/>
+            <a:endParaRPr lang="en-US" dirty="0" smtClean="0"/>
           </a:p>
           <a:p>
             <a:endParaRPr lang="en-IN" dirty="0"/>
@@ -8614,7 +9067,7 @@
           <a:lstStyle/>
           <a:p>
             <a:r>
-              <a:rPr lang="en-IN" b="1" dirty="0"/>
+              <a:rPr lang="en-IN" b="1" dirty="0" smtClean="0"/>
               <a:t>Component Event Class </a:t>
             </a:r>
             <a:endParaRPr lang="en-IN" dirty="0"/>

--- a/Reference materials/Advanced JAVA/Event handling.pptx
+++ b/Reference materials/Advanced JAVA/Event handling.pptx
@@ -235,7 +235,7 @@
           <a:p>
             <a:fld id="{CBDFB359-B0C7-4C2A-B5E6-DC0AAC7DC740}" type="datetimeFigureOut">
               <a:rPr lang="en-IN" smtClean="0"/>
-              <a:t>28-04-2021</a:t>
+              <a:t>16-06-2021</a:t>
             </a:fld>
             <a:endParaRPr lang="en-IN"/>
           </a:p>
@@ -299,35 +299,35 @@
           <a:p>
             <a:pPr lvl="0"/>
             <a:r>
-              <a:rPr lang="en-US" smtClean="0"/>
+              <a:rPr lang="en-US"/>
               <a:t>Click to edit Master text styles</a:t>
             </a:r>
           </a:p>
           <a:p>
             <a:pPr lvl="1"/>
             <a:r>
-              <a:rPr lang="en-US" smtClean="0"/>
+              <a:rPr lang="en-US"/>
               <a:t>Second level</a:t>
             </a:r>
           </a:p>
           <a:p>
             <a:pPr lvl="2"/>
             <a:r>
-              <a:rPr lang="en-US" smtClean="0"/>
+              <a:rPr lang="en-US"/>
               <a:t>Third level</a:t>
             </a:r>
           </a:p>
           <a:p>
             <a:pPr lvl="3"/>
             <a:r>
-              <a:rPr lang="en-US" smtClean="0"/>
+              <a:rPr lang="en-US"/>
               <a:t>Fourth level</a:t>
             </a:r>
           </a:p>
           <a:p>
             <a:pPr lvl="4"/>
             <a:r>
-              <a:rPr lang="en-US" smtClean="0"/>
+              <a:rPr lang="en-US"/>
               <a:t>Fifth level</a:t>
             </a:r>
             <a:endParaRPr lang="en-IN"/>
@@ -673,10 +673,9 @@
           </a:lstStyle>
           <a:p>
             <a:r>
-              <a:rPr kumimoji="0" lang="en-US" smtClean="0"/>
+              <a:rPr kumimoji="0" lang="en-US"/>
               <a:t>Click to edit Master subtitle style</a:t>
             </a:r>
-            <a:endParaRPr kumimoji="0" lang="en-US"/>
           </a:p>
         </p:txBody>
       </p:sp>
@@ -698,7 +697,7 @@
             <a:fld id="{1D8BD707-D9CF-40AE-B4C6-C98DA3205C09}" type="datetimeFigureOut">
               <a:rPr lang="en-US" smtClean="0"/>
               <a:pPr/>
-              <a:t>4/28/2021</a:t>
+              <a:t>6/16/2021</a:t>
             </a:fld>
             <a:endParaRPr lang="en-US"/>
           </a:p>
@@ -928,10 +927,9 @@
           </a:lstStyle>
           <a:p>
             <a:r>
-              <a:rPr kumimoji="0" lang="en-US" smtClean="0"/>
+              <a:rPr kumimoji="0" lang="en-US"/>
               <a:t>Click to edit Master title style</a:t>
             </a:r>
-            <a:endParaRPr kumimoji="0" lang="en-US"/>
           </a:p>
         </p:txBody>
       </p:sp>
@@ -976,10 +974,9 @@
           <a:lstStyle/>
           <a:p>
             <a:r>
-              <a:rPr kumimoji="0" lang="en-US" smtClean="0"/>
+              <a:rPr kumimoji="0" lang="en-US"/>
               <a:t>Click to edit Master title style</a:t>
             </a:r>
-            <a:endParaRPr kumimoji="0" lang="en-US"/>
           </a:p>
         </p:txBody>
       </p:sp>
@@ -1000,35 +997,35 @@
           <a:p>
             <a:pPr lvl="0" eaLnBrk="1" latinLnBrk="0" hangingPunct="1"/>
             <a:r>
-              <a:rPr lang="en-US" smtClean="0"/>
+              <a:rPr lang="en-US"/>
               <a:t>Click to edit Master text styles</a:t>
             </a:r>
           </a:p>
           <a:p>
             <a:pPr lvl="1" eaLnBrk="1" latinLnBrk="0" hangingPunct="1"/>
             <a:r>
-              <a:rPr lang="en-US" smtClean="0"/>
+              <a:rPr lang="en-US"/>
               <a:t>Second level</a:t>
             </a:r>
           </a:p>
           <a:p>
             <a:pPr lvl="2" eaLnBrk="1" latinLnBrk="0" hangingPunct="1"/>
             <a:r>
-              <a:rPr lang="en-US" smtClean="0"/>
+              <a:rPr lang="en-US"/>
               <a:t>Third level</a:t>
             </a:r>
           </a:p>
           <a:p>
             <a:pPr lvl="3" eaLnBrk="1" latinLnBrk="0" hangingPunct="1"/>
             <a:r>
-              <a:rPr lang="en-US" smtClean="0"/>
+              <a:rPr lang="en-US"/>
               <a:t>Fourth level</a:t>
             </a:r>
           </a:p>
           <a:p>
             <a:pPr lvl="4" eaLnBrk="1" latinLnBrk="0" hangingPunct="1"/>
             <a:r>
-              <a:rPr lang="en-US" smtClean="0"/>
+              <a:rPr lang="en-US"/>
               <a:t>Fifth level</a:t>
             </a:r>
             <a:endParaRPr kumimoji="0" lang="en-US"/>
@@ -1053,7 +1050,7 @@
             <a:fld id="{1D8BD707-D9CF-40AE-B4C6-C98DA3205C09}" type="datetimeFigureOut">
               <a:rPr lang="en-US" smtClean="0"/>
               <a:pPr/>
-              <a:t>4/28/2021</a:t>
+              <a:t>6/16/2021</a:t>
             </a:fld>
             <a:endParaRPr lang="en-US"/>
           </a:p>
@@ -1148,10 +1145,9 @@
           <a:lstStyle/>
           <a:p>
             <a:r>
-              <a:rPr kumimoji="0" lang="en-US" smtClean="0"/>
+              <a:rPr kumimoji="0" lang="en-US"/>
               <a:t>Click to edit Master title style</a:t>
             </a:r>
-            <a:endParaRPr kumimoji="0" lang="en-US"/>
           </a:p>
         </p:txBody>
       </p:sp>
@@ -1177,35 +1173,35 @@
           <a:p>
             <a:pPr lvl="0" eaLnBrk="1" latinLnBrk="0" hangingPunct="1"/>
             <a:r>
-              <a:rPr lang="en-US" smtClean="0"/>
+              <a:rPr lang="en-US"/>
               <a:t>Click to edit Master text styles</a:t>
             </a:r>
           </a:p>
           <a:p>
             <a:pPr lvl="1" eaLnBrk="1" latinLnBrk="0" hangingPunct="1"/>
             <a:r>
-              <a:rPr lang="en-US" smtClean="0"/>
+              <a:rPr lang="en-US"/>
               <a:t>Second level</a:t>
             </a:r>
           </a:p>
           <a:p>
             <a:pPr lvl="2" eaLnBrk="1" latinLnBrk="0" hangingPunct="1"/>
             <a:r>
-              <a:rPr lang="en-US" smtClean="0"/>
+              <a:rPr lang="en-US"/>
               <a:t>Third level</a:t>
             </a:r>
           </a:p>
           <a:p>
             <a:pPr lvl="3" eaLnBrk="1" latinLnBrk="0" hangingPunct="1"/>
             <a:r>
-              <a:rPr lang="en-US" smtClean="0"/>
+              <a:rPr lang="en-US"/>
               <a:t>Fourth level</a:t>
             </a:r>
           </a:p>
           <a:p>
             <a:pPr lvl="4" eaLnBrk="1" latinLnBrk="0" hangingPunct="1"/>
             <a:r>
-              <a:rPr lang="en-US" smtClean="0"/>
+              <a:rPr lang="en-US"/>
               <a:t>Fifth level</a:t>
             </a:r>
             <a:endParaRPr kumimoji="0" lang="en-US"/>
@@ -1230,7 +1226,7 @@
             <a:fld id="{1D8BD707-D9CF-40AE-B4C6-C98DA3205C09}" type="datetimeFigureOut">
               <a:rPr lang="en-US" smtClean="0"/>
               <a:pPr/>
-              <a:t>4/28/2021</a:t>
+              <a:t>6/16/2021</a:t>
             </a:fld>
             <a:endParaRPr lang="en-US"/>
           </a:p>
@@ -1320,10 +1316,9 @@
           <a:lstStyle/>
           <a:p>
             <a:r>
-              <a:rPr kumimoji="0" lang="en-US" smtClean="0"/>
+              <a:rPr kumimoji="0" lang="en-US"/>
               <a:t>Click to edit Master title style</a:t>
             </a:r>
-            <a:endParaRPr kumimoji="0" lang="en-US"/>
           </a:p>
         </p:txBody>
       </p:sp>
@@ -1345,7 +1340,7 @@
             <a:fld id="{1D8BD707-D9CF-40AE-B4C6-C98DA3205C09}" type="datetimeFigureOut">
               <a:rPr lang="en-US" smtClean="0"/>
               <a:pPr/>
-              <a:t>4/28/2021</a:t>
+              <a:t>6/16/2021</a:t>
             </a:fld>
             <a:endParaRPr lang="en-US"/>
           </a:p>
@@ -1416,35 +1411,35 @@
           <a:p>
             <a:pPr lvl="0" eaLnBrk="1" latinLnBrk="0" hangingPunct="1"/>
             <a:r>
-              <a:rPr lang="en-US" smtClean="0"/>
+              <a:rPr lang="en-US"/>
               <a:t>Click to edit Master text styles</a:t>
             </a:r>
           </a:p>
           <a:p>
             <a:pPr lvl="1" eaLnBrk="1" latinLnBrk="0" hangingPunct="1"/>
             <a:r>
-              <a:rPr lang="en-US" smtClean="0"/>
+              <a:rPr lang="en-US"/>
               <a:t>Second level</a:t>
             </a:r>
           </a:p>
           <a:p>
             <a:pPr lvl="2" eaLnBrk="1" latinLnBrk="0" hangingPunct="1"/>
             <a:r>
-              <a:rPr lang="en-US" smtClean="0"/>
+              <a:rPr lang="en-US"/>
               <a:t>Third level</a:t>
             </a:r>
           </a:p>
           <a:p>
             <a:pPr lvl="3" eaLnBrk="1" latinLnBrk="0" hangingPunct="1"/>
             <a:r>
-              <a:rPr lang="en-US" smtClean="0"/>
+              <a:rPr lang="en-US"/>
               <a:t>Fourth level</a:t>
             </a:r>
           </a:p>
           <a:p>
             <a:pPr lvl="4" eaLnBrk="1" latinLnBrk="0" hangingPunct="1"/>
             <a:r>
-              <a:rPr lang="en-US" smtClean="0"/>
+              <a:rPr lang="en-US"/>
               <a:t>Fifth level</a:t>
             </a:r>
             <a:endParaRPr kumimoji="0" lang="en-US"/>
@@ -1601,10 +1596,9 @@
           </a:lstStyle>
           <a:p>
             <a:r>
-              <a:rPr kumimoji="0" lang="en-US" smtClean="0"/>
+              <a:rPr kumimoji="0" lang="en-US"/>
               <a:t>Click to edit Master title style</a:t>
             </a:r>
-            <a:endParaRPr kumimoji="0" lang="en-US"/>
           </a:p>
         </p:txBody>
       </p:sp>
@@ -1681,7 +1675,7 @@
           <a:p>
             <a:pPr lvl="0" eaLnBrk="1" latinLnBrk="0" hangingPunct="1"/>
             <a:r>
-              <a:rPr kumimoji="0" lang="en-US" smtClean="0"/>
+              <a:rPr kumimoji="0" lang="en-US"/>
               <a:t>Click to edit Master text styles</a:t>
             </a:r>
           </a:p>
@@ -1705,7 +1699,7 @@
             <a:fld id="{1D8BD707-D9CF-40AE-B4C6-C98DA3205C09}" type="datetimeFigureOut">
               <a:rPr lang="en-US" smtClean="0"/>
               <a:pPr/>
-              <a:t>4/28/2021</a:t>
+              <a:t>6/16/2021</a:t>
             </a:fld>
             <a:endParaRPr lang="en-US"/>
           </a:p>
@@ -1947,10 +1941,9 @@
           <a:lstStyle/>
           <a:p>
             <a:r>
-              <a:rPr kumimoji="0" lang="en-US" smtClean="0"/>
+              <a:rPr kumimoji="0" lang="en-US"/>
               <a:t>Click to edit Master title style</a:t>
             </a:r>
-            <a:endParaRPr kumimoji="0" lang="en-US"/>
           </a:p>
         </p:txBody>
       </p:sp>
@@ -1972,7 +1965,7 @@
             <a:fld id="{1D8BD707-D9CF-40AE-B4C6-C98DA3205C09}" type="datetimeFigureOut">
               <a:rPr lang="en-US" smtClean="0"/>
               <a:pPr/>
-              <a:t>4/28/2021</a:t>
+              <a:t>6/16/2021</a:t>
             </a:fld>
             <a:endParaRPr lang="en-US"/>
           </a:p>
@@ -2043,35 +2036,35 @@
           <a:p>
             <a:pPr lvl="0" eaLnBrk="1" latinLnBrk="0" hangingPunct="1"/>
             <a:r>
-              <a:rPr lang="en-US" smtClean="0"/>
+              <a:rPr lang="en-US"/>
               <a:t>Click to edit Master text styles</a:t>
             </a:r>
           </a:p>
           <a:p>
             <a:pPr lvl="1" eaLnBrk="1" latinLnBrk="0" hangingPunct="1"/>
             <a:r>
-              <a:rPr lang="en-US" smtClean="0"/>
+              <a:rPr lang="en-US"/>
               <a:t>Second level</a:t>
             </a:r>
           </a:p>
           <a:p>
             <a:pPr lvl="2" eaLnBrk="1" latinLnBrk="0" hangingPunct="1"/>
             <a:r>
-              <a:rPr lang="en-US" smtClean="0"/>
+              <a:rPr lang="en-US"/>
               <a:t>Third level</a:t>
             </a:r>
           </a:p>
           <a:p>
             <a:pPr lvl="3" eaLnBrk="1" latinLnBrk="0" hangingPunct="1"/>
             <a:r>
-              <a:rPr lang="en-US" smtClean="0"/>
+              <a:rPr lang="en-US"/>
               <a:t>Fourth level</a:t>
             </a:r>
           </a:p>
           <a:p>
             <a:pPr lvl="4" eaLnBrk="1" latinLnBrk="0" hangingPunct="1"/>
             <a:r>
-              <a:rPr lang="en-US" smtClean="0"/>
+              <a:rPr lang="en-US"/>
               <a:t>Fifth level</a:t>
             </a:r>
             <a:endParaRPr kumimoji="0" lang="en-US"/>
@@ -2100,35 +2093,35 @@
           <a:p>
             <a:pPr lvl="0" eaLnBrk="1" latinLnBrk="0" hangingPunct="1"/>
             <a:r>
-              <a:rPr lang="en-US" smtClean="0"/>
+              <a:rPr lang="en-US"/>
               <a:t>Click to edit Master text styles</a:t>
             </a:r>
           </a:p>
           <a:p>
             <a:pPr lvl="1" eaLnBrk="1" latinLnBrk="0" hangingPunct="1"/>
             <a:r>
-              <a:rPr lang="en-US" smtClean="0"/>
+              <a:rPr lang="en-US"/>
               <a:t>Second level</a:t>
             </a:r>
           </a:p>
           <a:p>
             <a:pPr lvl="2" eaLnBrk="1" latinLnBrk="0" hangingPunct="1"/>
             <a:r>
-              <a:rPr lang="en-US" smtClean="0"/>
+              <a:rPr lang="en-US"/>
               <a:t>Third level</a:t>
             </a:r>
           </a:p>
           <a:p>
             <a:pPr lvl="3" eaLnBrk="1" latinLnBrk="0" hangingPunct="1"/>
             <a:r>
-              <a:rPr lang="en-US" smtClean="0"/>
+              <a:rPr lang="en-US"/>
               <a:t>Fourth level</a:t>
             </a:r>
           </a:p>
           <a:p>
             <a:pPr lvl="4" eaLnBrk="1" latinLnBrk="0" hangingPunct="1"/>
             <a:r>
-              <a:rPr lang="en-US" smtClean="0"/>
+              <a:rPr lang="en-US"/>
               <a:t>Fifth level</a:t>
             </a:r>
             <a:endParaRPr kumimoji="0" lang="en-US"/>
@@ -2185,10 +2178,9 @@
           </a:lstStyle>
           <a:p>
             <a:r>
-              <a:rPr kumimoji="0" lang="en-US" smtClean="0"/>
+              <a:rPr kumimoji="0" lang="en-US"/>
               <a:t>Click to edit Master title style</a:t>
             </a:r>
-            <a:endParaRPr kumimoji="0" lang="en-US"/>
           </a:p>
         </p:txBody>
       </p:sp>
@@ -2249,7 +2241,7 @@
           <a:p>
             <a:pPr lvl="0" eaLnBrk="1" latinLnBrk="0" hangingPunct="1"/>
             <a:r>
-              <a:rPr kumimoji="0" lang="en-US" smtClean="0"/>
+              <a:rPr kumimoji="0" lang="en-US"/>
               <a:t>Click to edit Master text styles</a:t>
             </a:r>
           </a:p>
@@ -2312,7 +2304,7 @@
           <a:p>
             <a:pPr lvl="0" eaLnBrk="1" latinLnBrk="0" hangingPunct="1"/>
             <a:r>
-              <a:rPr kumimoji="0" lang="en-US" smtClean="0"/>
+              <a:rPr kumimoji="0" lang="en-US"/>
               <a:t>Click to edit Master text styles</a:t>
             </a:r>
           </a:p>
@@ -2336,7 +2328,7 @@
             <a:fld id="{1D8BD707-D9CF-40AE-B4C6-C98DA3205C09}" type="datetimeFigureOut">
               <a:rPr lang="en-US" smtClean="0"/>
               <a:pPr/>
-              <a:t>4/28/2021</a:t>
+              <a:t>6/16/2021</a:t>
             </a:fld>
             <a:endParaRPr lang="en-US"/>
           </a:p>
@@ -2407,35 +2399,35 @@
           <a:p>
             <a:pPr lvl="0" eaLnBrk="1" latinLnBrk="0" hangingPunct="1"/>
             <a:r>
-              <a:rPr lang="en-US" smtClean="0"/>
+              <a:rPr lang="en-US"/>
               <a:t>Click to edit Master text styles</a:t>
             </a:r>
           </a:p>
           <a:p>
             <a:pPr lvl="1" eaLnBrk="1" latinLnBrk="0" hangingPunct="1"/>
             <a:r>
-              <a:rPr lang="en-US" smtClean="0"/>
+              <a:rPr lang="en-US"/>
               <a:t>Second level</a:t>
             </a:r>
           </a:p>
           <a:p>
             <a:pPr lvl="2" eaLnBrk="1" latinLnBrk="0" hangingPunct="1"/>
             <a:r>
-              <a:rPr lang="en-US" smtClean="0"/>
+              <a:rPr lang="en-US"/>
               <a:t>Third level</a:t>
             </a:r>
           </a:p>
           <a:p>
             <a:pPr lvl="3" eaLnBrk="1" latinLnBrk="0" hangingPunct="1"/>
             <a:r>
-              <a:rPr lang="en-US" smtClean="0"/>
+              <a:rPr lang="en-US"/>
               <a:t>Fourth level</a:t>
             </a:r>
           </a:p>
           <a:p>
             <a:pPr lvl="4" eaLnBrk="1" latinLnBrk="0" hangingPunct="1"/>
             <a:r>
-              <a:rPr lang="en-US" smtClean="0"/>
+              <a:rPr lang="en-US"/>
               <a:t>Fifth level</a:t>
             </a:r>
             <a:endParaRPr kumimoji="0" lang="en-US"/>
@@ -2464,35 +2456,35 @@
           <a:p>
             <a:pPr lvl="0" eaLnBrk="1" latinLnBrk="0" hangingPunct="1"/>
             <a:r>
-              <a:rPr lang="en-US" smtClean="0"/>
+              <a:rPr lang="en-US"/>
               <a:t>Click to edit Master text styles</a:t>
             </a:r>
           </a:p>
           <a:p>
             <a:pPr lvl="1" eaLnBrk="1" latinLnBrk="0" hangingPunct="1"/>
             <a:r>
-              <a:rPr lang="en-US" smtClean="0"/>
+              <a:rPr lang="en-US"/>
               <a:t>Second level</a:t>
             </a:r>
           </a:p>
           <a:p>
             <a:pPr lvl="2" eaLnBrk="1" latinLnBrk="0" hangingPunct="1"/>
             <a:r>
-              <a:rPr lang="en-US" smtClean="0"/>
+              <a:rPr lang="en-US"/>
               <a:t>Third level</a:t>
             </a:r>
           </a:p>
           <a:p>
             <a:pPr lvl="3" eaLnBrk="1" latinLnBrk="0" hangingPunct="1"/>
             <a:r>
-              <a:rPr lang="en-US" smtClean="0"/>
+              <a:rPr lang="en-US"/>
               <a:t>Fourth level</a:t>
             </a:r>
           </a:p>
           <a:p>
             <a:pPr lvl="4" eaLnBrk="1" latinLnBrk="0" hangingPunct="1"/>
             <a:r>
-              <a:rPr lang="en-US" smtClean="0"/>
+              <a:rPr lang="en-US"/>
               <a:t>Fifth level</a:t>
             </a:r>
             <a:endParaRPr kumimoji="0" lang="en-US"/>
@@ -2540,10 +2532,9 @@
           <a:lstStyle/>
           <a:p>
             <a:r>
-              <a:rPr kumimoji="0" lang="en-US" smtClean="0"/>
+              <a:rPr kumimoji="0" lang="en-US"/>
               <a:t>Click to edit Master title style</a:t>
             </a:r>
-            <a:endParaRPr kumimoji="0" lang="en-US"/>
           </a:p>
         </p:txBody>
       </p:sp>
@@ -2565,7 +2556,7 @@
             <a:fld id="{1D8BD707-D9CF-40AE-B4C6-C98DA3205C09}" type="datetimeFigureOut">
               <a:rPr lang="en-US" smtClean="0"/>
               <a:pPr/>
-              <a:t>4/28/2021</a:t>
+              <a:t>6/16/2021</a:t>
             </a:fld>
             <a:endParaRPr lang="en-US"/>
           </a:p>
@@ -2657,7 +2648,7 @@
             <a:fld id="{1D8BD707-D9CF-40AE-B4C6-C98DA3205C09}" type="datetimeFigureOut">
               <a:rPr lang="en-US" smtClean="0"/>
               <a:pPr/>
-              <a:t>4/28/2021</a:t>
+              <a:t>6/16/2021</a:t>
             </a:fld>
             <a:endParaRPr lang="en-US"/>
           </a:p>
@@ -2852,10 +2843,9 @@
           </a:lstStyle>
           <a:p>
             <a:r>
-              <a:rPr kumimoji="0" lang="en-US" smtClean="0"/>
+              <a:rPr kumimoji="0" lang="en-US"/>
               <a:t>Click to edit Master title style</a:t>
             </a:r>
-            <a:endParaRPr kumimoji="0" lang="en-US"/>
           </a:p>
         </p:txBody>
       </p:sp>
@@ -2902,7 +2892,7 @@
           <a:p>
             <a:pPr lvl="0" eaLnBrk="1" latinLnBrk="0" hangingPunct="1"/>
             <a:r>
-              <a:rPr kumimoji="0" lang="en-US" smtClean="0"/>
+              <a:rPr kumimoji="0" lang="en-US"/>
               <a:t>Click to edit Master text styles</a:t>
             </a:r>
           </a:p>
@@ -2926,7 +2916,7 @@
             <a:fld id="{1D8BD707-D9CF-40AE-B4C6-C98DA3205C09}" type="datetimeFigureOut">
               <a:rPr lang="en-US" smtClean="0"/>
               <a:pPr/>
-              <a:t>4/28/2021</a:t>
+              <a:t>6/16/2021</a:t>
             </a:fld>
             <a:endParaRPr lang="en-US"/>
           </a:p>
@@ -2997,35 +2987,35 @@
           <a:p>
             <a:pPr lvl="0" eaLnBrk="1" latinLnBrk="0" hangingPunct="1"/>
             <a:r>
-              <a:rPr lang="en-US" smtClean="0"/>
+              <a:rPr lang="en-US"/>
               <a:t>Click to edit Master text styles</a:t>
             </a:r>
           </a:p>
           <a:p>
             <a:pPr lvl="1" eaLnBrk="1" latinLnBrk="0" hangingPunct="1"/>
             <a:r>
-              <a:rPr lang="en-US" smtClean="0"/>
+              <a:rPr lang="en-US"/>
               <a:t>Second level</a:t>
             </a:r>
           </a:p>
           <a:p>
             <a:pPr lvl="2" eaLnBrk="1" latinLnBrk="0" hangingPunct="1"/>
             <a:r>
-              <a:rPr lang="en-US" smtClean="0"/>
+              <a:rPr lang="en-US"/>
               <a:t>Third level</a:t>
             </a:r>
           </a:p>
           <a:p>
             <a:pPr lvl="3" eaLnBrk="1" latinLnBrk="0" hangingPunct="1"/>
             <a:r>
-              <a:rPr lang="en-US" smtClean="0"/>
+              <a:rPr lang="en-US"/>
               <a:t>Fourth level</a:t>
             </a:r>
           </a:p>
           <a:p>
             <a:pPr lvl="4" eaLnBrk="1" latinLnBrk="0" hangingPunct="1"/>
             <a:r>
-              <a:rPr lang="en-US" smtClean="0"/>
+              <a:rPr lang="en-US"/>
               <a:t>Fifth level</a:t>
             </a:r>
             <a:endParaRPr kumimoji="0" lang="en-US"/>
@@ -3085,10 +3075,9 @@
           </a:lstStyle>
           <a:p>
             <a:r>
-              <a:rPr kumimoji="0" lang="en-US" smtClean="0"/>
+              <a:rPr kumimoji="0" lang="en-US"/>
               <a:t>Click to edit Master title style</a:t>
             </a:r>
-            <a:endParaRPr kumimoji="0" lang="en-US"/>
           </a:p>
         </p:txBody>
       </p:sp>
@@ -3132,7 +3121,7 @@
           <a:p>
             <a:pPr lvl="0" eaLnBrk="1" latinLnBrk="0" hangingPunct="1"/>
             <a:r>
-              <a:rPr kumimoji="0" lang="en-US" smtClean="0"/>
+              <a:rPr kumimoji="0" lang="en-US"/>
               <a:t>Click to edit Master text styles</a:t>
             </a:r>
           </a:p>
@@ -3156,7 +3145,7 @@
             <a:fld id="{1D8BD707-D9CF-40AE-B4C6-C98DA3205C09}" type="datetimeFigureOut">
               <a:rPr lang="en-US" smtClean="0"/>
               <a:pPr/>
-              <a:t>4/28/2021</a:t>
+              <a:t>6/16/2021</a:t>
             </a:fld>
             <a:endParaRPr lang="en-US"/>
           </a:p>
@@ -3397,7 +3386,7 @@
           </a:lstStyle>
           <a:p>
             <a:r>
-              <a:rPr kumimoji="0" lang="en-US" smtClean="0"/>
+              <a:rPr kumimoji="0" lang="en-US"/>
               <a:t>Click icon to add picture</a:t>
             </a:r>
             <a:endParaRPr kumimoji="0" lang="en-US" dirty="0"/>
@@ -3554,10 +3543,9 @@
           <a:lstStyle/>
           <a:p>
             <a:r>
-              <a:rPr kumimoji="0" lang="en-US" smtClean="0"/>
+              <a:rPr kumimoji="0" lang="en-US"/>
               <a:t>Click to edit Master title style</a:t>
             </a:r>
-            <a:endParaRPr kumimoji="0" lang="en-US"/>
           </a:p>
         </p:txBody>
       </p:sp>
@@ -3588,38 +3576,37 @@
           <a:p>
             <a:pPr lvl="0" eaLnBrk="1" latinLnBrk="0" hangingPunct="1"/>
             <a:r>
-              <a:rPr kumimoji="0" lang="en-US" smtClean="0"/>
+              <a:rPr kumimoji="0" lang="en-US"/>
               <a:t>Click to edit Master text styles</a:t>
             </a:r>
           </a:p>
           <a:p>
             <a:pPr lvl="1" eaLnBrk="1" latinLnBrk="0" hangingPunct="1"/>
             <a:r>
-              <a:rPr kumimoji="0" lang="en-US" smtClean="0"/>
+              <a:rPr kumimoji="0" lang="en-US"/>
               <a:t>Second level</a:t>
             </a:r>
           </a:p>
           <a:p>
             <a:pPr lvl="2" eaLnBrk="1" latinLnBrk="0" hangingPunct="1"/>
             <a:r>
-              <a:rPr kumimoji="0" lang="en-US" smtClean="0"/>
+              <a:rPr kumimoji="0" lang="en-US"/>
               <a:t>Third level</a:t>
             </a:r>
           </a:p>
           <a:p>
             <a:pPr lvl="3" eaLnBrk="1" latinLnBrk="0" hangingPunct="1"/>
             <a:r>
-              <a:rPr kumimoji="0" lang="en-US" smtClean="0"/>
+              <a:rPr kumimoji="0" lang="en-US"/>
               <a:t>Fourth level</a:t>
             </a:r>
           </a:p>
           <a:p>
             <a:pPr lvl="4" eaLnBrk="1" latinLnBrk="0" hangingPunct="1"/>
             <a:r>
-              <a:rPr kumimoji="0" lang="en-US" smtClean="0"/>
+              <a:rPr kumimoji="0" lang="en-US"/>
               <a:t>Fifth level</a:t>
             </a:r>
-            <a:endParaRPr kumimoji="0" lang="en-US"/>
           </a:p>
         </p:txBody>
       </p:sp>
@@ -3657,7 +3644,7 @@
             <a:fld id="{1D8BD707-D9CF-40AE-B4C6-C98DA3205C09}" type="datetimeFigureOut">
               <a:rPr lang="en-US" smtClean="0"/>
               <a:pPr/>
-              <a:t>4/28/2021</a:t>
+              <a:t>6/16/2021</a:t>
             </a:fld>
             <a:endParaRPr lang="en-US"/>
           </a:p>
@@ -4099,10 +4086,9 @@
           <a:lstStyle/>
           <a:p>
             <a:r>
-              <a:rPr lang="en-IN" dirty="0" smtClean="0"/>
+              <a:rPr lang="en-IN" dirty="0"/>
               <a:t>Java Event Handling</a:t>
             </a:r>
-            <a:endParaRPr lang="en-IN" dirty="0"/>
           </a:p>
         </p:txBody>
       </p:sp>
@@ -4116,13 +4102,6 @@
   <p:clrMapOvr>
     <a:masterClrMapping/>
   </p:clrMapOvr>
-  <p:timing>
-    <p:tnLst>
-      <p:par>
-        <p:cTn id="1" dur="indefinite" restart="never" nodeType="tmRoot"/>
-      </p:par>
-    </p:tnLst>
-  </p:timing>
 </p:sld>
 </file>
 
@@ -4159,12 +4138,8 @@
           <a:lstStyle/>
           <a:p>
             <a:r>
-              <a:rPr lang="en-IN" b="1" dirty="0" smtClean="0"/>
-              <a:t>Container Event </a:t>
-            </a:r>
-            <a:r>
               <a:rPr lang="en-IN" b="1" dirty="0"/>
-              <a:t>Class</a:t>
+              <a:t>Container Event Class</a:t>
             </a:r>
             <a:endParaRPr lang="en-IN" dirty="0"/>
           </a:p>
@@ -4199,11 +4174,7 @@
             </a:r>
             <a:r>
               <a:rPr lang="en-US" dirty="0"/>
-              <a:t>is generated when a component is added to or removed from a container</a:t>
-            </a:r>
-            <a:r>
-              <a:rPr lang="en-US" dirty="0" smtClean="0"/>
-              <a:t>.</a:t>
+              <a:t>is generated when a component is added to or removed from a container.</a:t>
             </a:r>
           </a:p>
           <a:p>
@@ -4233,15 +4204,7 @@
             </a:r>
             <a:r>
               <a:rPr lang="en-US" dirty="0"/>
-              <a:t>constants </a:t>
-            </a:r>
-            <a:r>
-              <a:rPr lang="en-US" dirty="0" smtClean="0"/>
-              <a:t>that can </a:t>
-            </a:r>
-            <a:r>
-              <a:rPr lang="en-US" dirty="0"/>
-              <a:t>be used to identify them: </a:t>
+              <a:t>constants that can be used to identify them: </a:t>
             </a:r>
             <a:r>
               <a:rPr lang="en-US" b="1" dirty="0"/>
@@ -4309,12 +4272,8 @@
           <a:lstStyle/>
           <a:p>
             <a:r>
-              <a:rPr lang="en-IN" b="1" dirty="0" smtClean="0"/>
-              <a:t>Focus Event </a:t>
-            </a:r>
-            <a:r>
               <a:rPr lang="en-IN" b="1" dirty="0"/>
-              <a:t>Class</a:t>
+              <a:t>Focus Event Class</a:t>
             </a:r>
             <a:endParaRPr lang="en-IN" dirty="0"/>
           </a:p>
@@ -4349,15 +4308,7 @@
             </a:r>
             <a:r>
               <a:rPr lang="en-US" dirty="0"/>
-              <a:t>is generated when a component gains or loses input focus. These events </a:t>
-            </a:r>
-            <a:r>
-              <a:rPr lang="en-US" dirty="0" smtClean="0"/>
-              <a:t>are identified </a:t>
-            </a:r>
-            <a:r>
-              <a:rPr lang="en-US" dirty="0"/>
-              <a:t>by the integer constants </a:t>
+              <a:t>is generated when a component gains or loses input focus. These events are identified by the integer constants </a:t>
             </a:r>
             <a:r>
               <a:rPr lang="en-US" b="1" dirty="0"/>
@@ -4477,15 +4428,7 @@
             </a:r>
             <a:r>
               <a:rPr lang="en-US" dirty="0"/>
-              <a:t>and is the superclass </a:t>
-            </a:r>
-            <a:r>
-              <a:rPr lang="en-US" dirty="0" smtClean="0"/>
-              <a:t>for component </a:t>
-            </a:r>
-            <a:r>
-              <a:rPr lang="en-US" dirty="0"/>
-              <a:t>input events. Its subclasses are </a:t>
+              <a:t>and is the superclass for component input events. Its subclasses are </a:t>
             </a:r>
             <a:r>
               <a:rPr lang="en-US" b="1" dirty="0" err="1"/>
@@ -4607,7 +4550,7 @@
           <a:lstStyle/>
           <a:p>
             <a:r>
-              <a:rPr lang="en-IN" b="1" dirty="0" smtClean="0"/>
+              <a:rPr lang="en-IN" b="1" dirty="0"/>
               <a:t>Item Event Class</a:t>
             </a:r>
           </a:p>
@@ -4615,14 +4558,14 @@
             <a:endParaRPr lang="en-IN" b="1" dirty="0"/>
           </a:p>
           <a:p>
-            <a:endParaRPr lang="en-IN" b="1" dirty="0" smtClean="0"/>
-          </a:p>
-          <a:p>
             <a:endParaRPr lang="en-IN" b="1" dirty="0"/>
           </a:p>
           <a:p>
-            <a:r>
-              <a:rPr lang="en-IN" b="1" dirty="0" smtClean="0"/>
+            <a:endParaRPr lang="en-IN" b="1" dirty="0"/>
+          </a:p>
+          <a:p>
+            <a:r>
+              <a:rPr lang="en-IN" b="1" dirty="0"/>
               <a:t>Key Event Class</a:t>
             </a:r>
           </a:p>
@@ -4630,7 +4573,7 @@
             <a:endParaRPr lang="en-IN" b="1" dirty="0"/>
           </a:p>
           <a:p>
-            <a:endParaRPr lang="en-IN" b="1" dirty="0" smtClean="0"/>
+            <a:endParaRPr lang="en-IN" b="1" dirty="0"/>
           </a:p>
           <a:p>
             <a:endParaRPr lang="en-IN" b="1" dirty="0"/>
@@ -4662,37 +4605,37 @@
               <a:rPr lang="en-IN" dirty="0"/>
               <a:t>control, shift, or alt.</a:t>
             </a:r>
-            <a:endParaRPr lang="en-IN" b="1" dirty="0" smtClean="0"/>
-          </a:p>
-          <a:p>
-            <a:endParaRPr lang="en-IN" b="1" dirty="0" smtClean="0"/>
-          </a:p>
-          <a:p>
             <a:endParaRPr lang="en-IN" b="1" dirty="0"/>
           </a:p>
           <a:p>
-            <a:endParaRPr lang="en-IN" b="1" dirty="0" smtClean="0"/>
-          </a:p>
-          <a:p>
             <a:endParaRPr lang="en-IN" b="1" dirty="0"/>
           </a:p>
           <a:p>
-            <a:endParaRPr lang="en-IN" b="1" dirty="0" smtClean="0"/>
+            <a:endParaRPr lang="en-IN" b="1" dirty="0"/>
+          </a:p>
+          <a:p>
+            <a:endParaRPr lang="en-IN" b="1" dirty="0"/>
+          </a:p>
+          <a:p>
+            <a:endParaRPr lang="en-IN" b="1" dirty="0"/>
+          </a:p>
+          <a:p>
+            <a:endParaRPr lang="en-IN" b="1" dirty="0"/>
           </a:p>
           <a:p>
             <a:pPr marL="0" indent="0">
               <a:buNone/>
             </a:pPr>
-            <a:endParaRPr lang="en-IN" b="1" dirty="0" smtClean="0"/>
-          </a:p>
-          <a:p>
             <a:endParaRPr lang="en-IN" b="1" dirty="0"/>
           </a:p>
           <a:p>
-            <a:endParaRPr lang="en-IN" b="1" dirty="0" smtClean="0"/>
-          </a:p>
-          <a:p>
-            <a:endParaRPr lang="en-IN" b="1" dirty="0" smtClean="0"/>
+            <a:endParaRPr lang="en-IN" b="1" dirty="0"/>
+          </a:p>
+          <a:p>
+            <a:endParaRPr lang="en-IN" b="1" dirty="0"/>
+          </a:p>
+          <a:p>
+            <a:endParaRPr lang="en-IN" b="1" dirty="0"/>
           </a:p>
           <a:p>
             <a:endParaRPr lang="en-IN" dirty="0"/>
@@ -4793,12 +4736,8 @@
           <a:lstStyle/>
           <a:p>
             <a:r>
-              <a:rPr lang="en-IN" b="1" dirty="0" smtClean="0"/>
-              <a:t>Mouse Event </a:t>
-            </a:r>
-            <a:r>
               <a:rPr lang="en-IN" b="1" dirty="0"/>
-              <a:t>Class</a:t>
+              <a:t>Mouse Event Class</a:t>
             </a:r>
             <a:endParaRPr lang="en-IN" dirty="0"/>
           </a:p>
@@ -4821,25 +4760,25 @@
           </a:bodyPr>
           <a:lstStyle/>
           <a:p>
-            <a:endParaRPr lang="en-IN" dirty="0" smtClean="0"/>
-          </a:p>
-          <a:p>
             <a:endParaRPr lang="en-IN" dirty="0"/>
           </a:p>
           <a:p>
-            <a:endParaRPr lang="en-IN" dirty="0" smtClean="0"/>
-          </a:p>
-          <a:p>
             <a:endParaRPr lang="en-IN" dirty="0"/>
           </a:p>
           <a:p>
-            <a:endParaRPr lang="en-IN" dirty="0" smtClean="0"/>
-          </a:p>
-          <a:p>
             <a:endParaRPr lang="en-IN" dirty="0"/>
           </a:p>
           <a:p>
-            <a:endParaRPr lang="en-IN" dirty="0" smtClean="0"/>
+            <a:endParaRPr lang="en-IN" dirty="0"/>
+          </a:p>
+          <a:p>
+            <a:endParaRPr lang="en-IN" dirty="0"/>
+          </a:p>
+          <a:p>
+            <a:endParaRPr lang="en-IN" dirty="0"/>
+          </a:p>
+          <a:p>
+            <a:endParaRPr lang="en-IN" dirty="0"/>
           </a:p>
           <a:p>
             <a:r>
@@ -4856,27 +4795,14 @@
             </a:r>
             <a:r>
               <a:rPr lang="en-IN" dirty="0"/>
-              <a:t>( </a:t>
-            </a:r>
-            <a:r>
-              <a:rPr lang="en-IN" dirty="0" smtClean="0"/>
-              <a:t>)</a:t>
-            </a:r>
-          </a:p>
-          <a:p>
-            <a:r>
-              <a:rPr lang="en-IN" dirty="0" smtClean="0"/>
-              <a:t>Returns – NOBUTTON or  </a:t>
-            </a:r>
-            <a:r>
-              <a:rPr lang="en-IN" dirty="0"/>
-              <a:t>BUTTON1 </a:t>
-            </a:r>
-            <a:r>
-              <a:rPr lang="en-IN" dirty="0" smtClean="0"/>
-              <a:t>or BUTTON2 or BUTTON3</a:t>
-            </a:r>
-            <a:endParaRPr lang="en-IN" dirty="0"/>
+              <a:t>( )</a:t>
+            </a:r>
+          </a:p>
+          <a:p>
+            <a:r>
+              <a:rPr lang="en-IN" dirty="0"/>
+              <a:t>Returns – NOBUTTON or  BUTTON1 or BUTTON2 or BUTTON3</a:t>
+            </a:r>
           </a:p>
         </p:txBody>
       </p:sp>
@@ -4976,28 +4902,20 @@
               <a:rPr lang="en-IN" b="1" dirty="0"/>
               <a:t> Class</a:t>
             </a:r>
-            <a:endParaRPr lang="en-US" dirty="0" smtClean="0"/>
+            <a:endParaRPr lang="en-US" dirty="0"/>
           </a:p>
           <a:p>
             <a:pPr lvl="1"/>
             <a:r>
-              <a:rPr lang="en-US" dirty="0" smtClean="0"/>
-              <a:t>WHEEL_BLOCK_SCROLL </a:t>
-            </a:r>
-            <a:r>
               <a:rPr lang="en-US" dirty="0"/>
-              <a:t>A page-up or page-down scroll event occurred.</a:t>
+              <a:t>WHEEL_BLOCK_SCROLL A page-up or page-down scroll event occurred.</a:t>
             </a:r>
           </a:p>
           <a:p>
             <a:pPr lvl="1"/>
             <a:r>
               <a:rPr lang="en-US" dirty="0"/>
-              <a:t>WHEEL_UNIT_SCROLL A line-up or line-down scroll event occurred</a:t>
-            </a:r>
-            <a:r>
-              <a:rPr lang="en-US" dirty="0" smtClean="0"/>
-              <a:t>.</a:t>
+              <a:t>WHEEL_UNIT_SCROLL A line-up or line-down scroll event occurred.</a:t>
             </a:r>
           </a:p>
           <a:p>
@@ -5007,11 +4925,7 @@
             </a:r>
             <a:r>
               <a:rPr lang="en-IN" b="1" dirty="0"/>
-              <a:t> </a:t>
-            </a:r>
-            <a:r>
-              <a:rPr lang="en-IN" b="1" dirty="0" smtClean="0"/>
-              <a:t>Class</a:t>
+              <a:t> Class</a:t>
             </a:r>
           </a:p>
           <a:p>
@@ -5026,14 +4940,10 @@
             </a:r>
             <a:r>
               <a:rPr lang="en-IN" dirty="0"/>
-              <a:t>defines the integer </a:t>
-            </a:r>
-            <a:r>
-              <a:rPr lang="en-IN" dirty="0" smtClean="0"/>
-              <a:t>constant </a:t>
-            </a:r>
-            <a:r>
-              <a:rPr lang="en-IN" b="1" dirty="0" smtClean="0"/>
+              <a:t>defines the integer constant </a:t>
+            </a:r>
+            <a:r>
+              <a:rPr lang="en-IN" b="1" dirty="0"/>
               <a:t>TEXT_VALUE_CHANGED</a:t>
             </a:r>
             <a:r>
@@ -5790,21 +5700,12 @@
             </a:r>
             <a:r>
               <a:rPr lang="en-US" dirty="0"/>
-              <a:t>which </a:t>
-            </a:r>
-            <a:r>
-              <a:rPr lang="en-US" dirty="0" smtClean="0"/>
-              <a:t>defines standard </a:t>
-            </a:r>
+              <a:t>which defines standard and consistent mechanisms to generate and process events. </a:t>
+            </a:r>
+          </a:p>
+          <a:p>
             <a:r>
               <a:rPr lang="en-US" dirty="0"/>
-              <a:t>and consistent mechanisms to generate and process events. </a:t>
-            </a:r>
-            <a:endParaRPr lang="en-US" dirty="0" smtClean="0"/>
-          </a:p>
-          <a:p>
-            <a:r>
-              <a:rPr lang="en-US" dirty="0" smtClean="0"/>
               <a:t>A </a:t>
             </a:r>
             <a:r>
@@ -5821,64 +5722,25 @@
             </a:r>
             <a:r>
               <a:rPr lang="en-US" dirty="0"/>
-              <a:t>In this scheme, the </a:t>
-            </a:r>
-            <a:r>
-              <a:rPr lang="en-US" dirty="0" smtClean="0"/>
-              <a:t>listener simply </a:t>
-            </a:r>
+              <a:t>In this scheme, the listener simply waits until it receives an event. </a:t>
+            </a:r>
+          </a:p>
+          <a:p>
             <a:r>
               <a:rPr lang="en-US" dirty="0"/>
-              <a:t>waits until it receives an event. </a:t>
-            </a:r>
-            <a:endParaRPr lang="en-US" dirty="0" smtClean="0"/>
-          </a:p>
-          <a:p>
-            <a:r>
-              <a:rPr lang="en-US" dirty="0" smtClean="0"/>
-              <a:t>Once </a:t>
-            </a:r>
+              <a:t>Once an event is received, the listener processes the event and then returns. </a:t>
+            </a:r>
+          </a:p>
+          <a:p>
             <a:r>
               <a:rPr lang="en-US" dirty="0"/>
-              <a:t>an event is received, the listener processes the </a:t>
-            </a:r>
-            <a:r>
-              <a:rPr lang="en-US" dirty="0" smtClean="0"/>
-              <a:t>event and </a:t>
-            </a:r>
+              <a:t>The advantage of this design is that the application logic that processes events is cleanly separated from the user interface logic that generates those events. </a:t>
+            </a:r>
+          </a:p>
+          <a:p>
             <a:r>
               <a:rPr lang="en-US" dirty="0"/>
-              <a:t>then returns. </a:t>
-            </a:r>
-            <a:endParaRPr lang="en-US" dirty="0" smtClean="0"/>
-          </a:p>
-          <a:p>
-            <a:r>
-              <a:rPr lang="en-US" dirty="0" smtClean="0"/>
-              <a:t>The </a:t>
-            </a:r>
-            <a:r>
-              <a:rPr lang="en-US" dirty="0"/>
-              <a:t>advantage of this design is that the application logic that processes </a:t>
-            </a:r>
-            <a:r>
-              <a:rPr lang="en-US" dirty="0" smtClean="0"/>
-              <a:t>events is </a:t>
-            </a:r>
-            <a:r>
-              <a:rPr lang="en-US" dirty="0"/>
-              <a:t>cleanly separated from the user interface logic that generates those events. </a:t>
-            </a:r>
-            <a:endParaRPr lang="en-US" dirty="0" smtClean="0"/>
-          </a:p>
-          <a:p>
-            <a:r>
-              <a:rPr lang="en-US" dirty="0" smtClean="0"/>
-              <a:t>A user interface element </a:t>
-            </a:r>
-            <a:r>
-              <a:rPr lang="en-US" dirty="0"/>
-              <a:t>is able to “delegate” the processing of an event to a separate piece of code.</a:t>
+              <a:t>A user interface element is able to “delegate” the processing of an event to a separate piece of code.</a:t>
             </a:r>
             <a:endParaRPr lang="en-IN" dirty="0"/>
           </a:p>
@@ -7029,10 +6891,9 @@
           <a:lstStyle/>
           <a:p>
             <a:r>
-              <a:rPr lang="en-IN" dirty="0" smtClean="0"/>
+              <a:rPr lang="en-IN" dirty="0"/>
               <a:t>Applet</a:t>
             </a:r>
-            <a:endParaRPr lang="en-IN" dirty="0"/>
           </a:p>
         </p:txBody>
       </p:sp>
@@ -7057,37 +6918,21 @@
             </a:r>
             <a:r>
               <a:rPr lang="en-US" dirty="0"/>
-              <a:t>are small applications that are accessed on </a:t>
-            </a:r>
-            <a:r>
-              <a:rPr lang="en-US" dirty="0" smtClean="0"/>
-              <a:t>an Internet </a:t>
+              <a:t>are small applications that are accessed on an Internet server, transported over the Internet, automatically installed, and run as part of a web </a:t>
+            </a:r>
+            <a:r>
+              <a:rPr lang="en-IN" dirty="0"/>
+              <a:t>document.</a:t>
+            </a:r>
+          </a:p>
+          <a:p>
+            <a:r>
+              <a:rPr lang="en-IN" dirty="0"/>
+              <a:t>Applets </a:t>
             </a:r>
             <a:r>
               <a:rPr lang="en-US" dirty="0"/>
-              <a:t>server, transported over the Internet, automatically installed, and run as part of a </a:t>
-            </a:r>
-            <a:r>
-              <a:rPr lang="en-US" dirty="0" smtClean="0"/>
-              <a:t>web </a:t>
-            </a:r>
-            <a:r>
-              <a:rPr lang="en-IN" dirty="0" smtClean="0"/>
-              <a:t>document.</a:t>
-            </a:r>
-          </a:p>
-          <a:p>
-            <a:r>
-              <a:rPr lang="en-IN" dirty="0" smtClean="0"/>
-              <a:t>Applets </a:t>
-            </a:r>
-            <a:r>
-              <a:rPr lang="en-US" dirty="0" smtClean="0"/>
-              <a:t>are </a:t>
-            </a:r>
-            <a:r>
-              <a:rPr lang="en-US" dirty="0"/>
-              <a:t>not structured in the same way as the programs that have been used thus far.</a:t>
+              <a:t>are not structured in the same way as the programs that have been used thus far.</a:t>
             </a:r>
             <a:endParaRPr lang="en-IN" dirty="0"/>
           </a:p>
@@ -7222,12 +7067,8 @@
               <a:buNone/>
             </a:pPr>
             <a:r>
-              <a:rPr lang="en-IN" i="1" dirty="0" smtClean="0"/>
-              <a:t>	public </a:t>
-            </a:r>
-            <a:r>
               <a:rPr lang="en-IN" i="1" dirty="0"/>
-              <a:t>void paint(Graphics g) {</a:t>
+              <a:t>	public void paint(Graphics g) {</a:t>
             </a:r>
           </a:p>
           <a:p>
@@ -7235,11 +7076,11 @@
               <a:buNone/>
             </a:pPr>
             <a:r>
-              <a:rPr lang="en-US" i="1" dirty="0" smtClean="0"/>
+              <a:rPr lang="en-US" i="1" dirty="0"/>
               <a:t>		</a:t>
             </a:r>
             <a:r>
-              <a:rPr lang="en-US" i="1" dirty="0" err="1" smtClean="0"/>
+              <a:rPr lang="en-US" i="1" dirty="0" err="1"/>
               <a:t>g.drawString</a:t>
             </a:r>
             <a:r>
@@ -7252,17 +7093,16 @@
               <a:buNone/>
             </a:pPr>
             <a:r>
-              <a:rPr lang="en-IN" i="1" dirty="0" smtClean="0"/>
+              <a:rPr lang="en-IN" i="1" dirty="0"/>
               <a:t>	}</a:t>
             </a:r>
-            <a:endParaRPr lang="en-IN" i="1" dirty="0"/>
           </a:p>
           <a:p>
             <a:pPr marL="0" indent="0">
               <a:buNone/>
             </a:pPr>
             <a:r>
-              <a:rPr lang="en-IN" i="1" dirty="0" smtClean="0"/>
+              <a:rPr lang="en-IN" i="1" dirty="0"/>
               <a:t>}</a:t>
             </a:r>
           </a:p>
@@ -7273,19 +7113,7 @@
             </a:r>
             <a:r>
               <a:rPr lang="en-US" dirty="0"/>
-              <a:t>is called each time that the applet must redisplay </a:t>
-            </a:r>
-            <a:r>
-              <a:rPr lang="en-US" dirty="0" smtClean="0"/>
-              <a:t>its output</a:t>
-            </a:r>
-            <a:r>
-              <a:rPr lang="en-US" dirty="0"/>
-              <a:t>. This situation can occur for several reasons</a:t>
-            </a:r>
-            <a:r>
-              <a:rPr lang="en-US" dirty="0" smtClean="0"/>
-              <a:t>.</a:t>
+              <a:t>is called each time that the applet must redisplay its output. This situation can occur for several reasons.</a:t>
             </a:r>
           </a:p>
           <a:p>
@@ -7295,15 +7123,7 @@
             </a:r>
             <a:r>
               <a:rPr lang="en-US" dirty="0"/>
-              <a:t>is also called when the applet </a:t>
-            </a:r>
-            <a:r>
-              <a:rPr lang="en-US" dirty="0" smtClean="0"/>
-              <a:t>begins execution</a:t>
-            </a:r>
-            <a:r>
-              <a:rPr lang="en-US" dirty="0"/>
-              <a:t>. Whatever the cause, whenever the applet must redraw its output, </a:t>
+              <a:t>is also called when the applet begins execution. Whatever the cause, whenever the applet must redraw its output, </a:t>
             </a:r>
             <a:r>
               <a:rPr lang="en-US" b="1" dirty="0"/>
@@ -7311,11 +7131,7 @@
             </a:r>
             <a:r>
               <a:rPr lang="en-US" dirty="0"/>
-              <a:t>is called</a:t>
-            </a:r>
-            <a:r>
-              <a:rPr lang="en-US" dirty="0" smtClean="0"/>
-              <a:t>.</a:t>
+              <a:t>is called.</a:t>
             </a:r>
           </a:p>
           <a:p>
@@ -7431,30 +7247,14 @@
           </a:p>
           <a:p>
             <a:r>
-              <a:rPr lang="en-US" dirty="0" smtClean="0"/>
-              <a:t>Applets </a:t>
-            </a:r>
-            <a:r>
               <a:rPr lang="en-US" dirty="0"/>
-              <a:t>must be run under an applet viewer or a Java-compatible browser.</a:t>
-            </a:r>
-          </a:p>
-          <a:p>
-            <a:r>
-              <a:rPr lang="en-US" dirty="0" smtClean="0"/>
-              <a:t>User </a:t>
-            </a:r>
+              <a:t>Applets must be run under an applet viewer or a Java-compatible browser.</a:t>
+            </a:r>
+          </a:p>
+          <a:p>
             <a:r>
               <a:rPr lang="en-US" dirty="0"/>
-              <a:t>I/O is not accomplished with Java’s stream I/O classes. Instead, applets </a:t>
-            </a:r>
-            <a:r>
-              <a:rPr lang="en-US" dirty="0" smtClean="0"/>
-              <a:t>use the </a:t>
-            </a:r>
-            <a:r>
-              <a:rPr lang="en-US" dirty="0"/>
-              <a:t>interface provided by the AWT or Swing.</a:t>
+              <a:t>User I/O is not accomplished with Java’s stream I/O classes. Instead, applets use the interface provided by the AWT or Swing.</a:t>
             </a:r>
             <a:endParaRPr lang="en-IN" dirty="0"/>
           </a:p>
@@ -7559,7 +7359,7 @@
               <a:t>and the </a:t>
             </a:r>
             <a:r>
-              <a:rPr lang="en-US" b="1" dirty="0" err="1" smtClean="0"/>
+              <a:rPr lang="en-US" b="1" dirty="0" err="1"/>
               <a:t>MouseMotionListener</a:t>
             </a:r>
             <a:r>
@@ -7567,96 +7367,40 @@
               <a:t> </a:t>
             </a:r>
             <a:r>
-              <a:rPr lang="en-US" dirty="0" smtClean="0"/>
-              <a:t>interfaces</a:t>
-            </a:r>
-            <a:r>
               <a:rPr lang="en-US" dirty="0"/>
-              <a:t>. </a:t>
-            </a:r>
-            <a:endParaRPr lang="en-US" dirty="0" smtClean="0"/>
-          </a:p>
-          <a:p>
-            <a:r>
-              <a:rPr lang="en-US" dirty="0" smtClean="0"/>
-              <a:t>Our program applet </a:t>
-            </a:r>
+              <a:t>interfaces. </a:t>
+            </a:r>
+          </a:p>
+          <a:p>
             <a:r>
               <a:rPr lang="en-US" dirty="0"/>
-              <a:t>demonstrates the process. </a:t>
-            </a:r>
-            <a:endParaRPr lang="en-US" dirty="0" smtClean="0"/>
-          </a:p>
-          <a:p>
-            <a:r>
-              <a:rPr lang="en-US" dirty="0" smtClean="0"/>
-              <a:t>It </a:t>
-            </a:r>
+              <a:t>Our program applet demonstrates the process. </a:t>
+            </a:r>
+          </a:p>
+          <a:p>
             <a:r>
               <a:rPr lang="en-US" dirty="0"/>
-              <a:t>displays the current </a:t>
-            </a:r>
-            <a:r>
-              <a:rPr lang="en-US" dirty="0" smtClean="0"/>
-              <a:t>coordinates of </a:t>
-            </a:r>
+              <a:t>It displays the current coordinates of the mouse in the applet’s status window. </a:t>
+            </a:r>
+          </a:p>
+          <a:p>
             <a:r>
               <a:rPr lang="en-US" dirty="0"/>
-              <a:t>the mouse in the applet’s status window. </a:t>
-            </a:r>
-            <a:endParaRPr lang="en-US" dirty="0" smtClean="0"/>
-          </a:p>
-          <a:p>
-            <a:r>
-              <a:rPr lang="en-US" dirty="0" smtClean="0"/>
-              <a:t>Each </a:t>
-            </a:r>
+              <a:t>Each time a button is pressed, the word “Down” is displayed at the location of the mouse pointer. Each time the button is released, the word “Up” is shown. </a:t>
+            </a:r>
+          </a:p>
+          <a:p>
             <a:r>
               <a:rPr lang="en-US" dirty="0"/>
-              <a:t>time a button is pressed, the word “</a:t>
-            </a:r>
-            <a:r>
-              <a:rPr lang="en-US" dirty="0" smtClean="0"/>
-              <a:t>Down” is </a:t>
+              <a:t>If a button is clicked, the message “Mouse clicked” is displayed in the </a:t>
+            </a:r>
+            <a:r>
+              <a:rPr lang="en-US" dirty="0" err="1"/>
+              <a:t>upperleft</a:t>
             </a:r>
             <a:r>
               <a:rPr lang="en-US" dirty="0"/>
-              <a:t>displayed at the location of the mouse pointer. Each time the button is released, the </a:t>
-            </a:r>
-            <a:r>
-              <a:rPr lang="en-US" dirty="0" smtClean="0"/>
-              <a:t>word “Up</a:t>
-            </a:r>
-            <a:r>
-              <a:rPr lang="en-US" dirty="0"/>
-              <a:t>” is shown. </a:t>
-            </a:r>
-            <a:endParaRPr lang="en-US" dirty="0" smtClean="0"/>
-          </a:p>
-          <a:p>
-            <a:r>
-              <a:rPr lang="en-US" dirty="0" smtClean="0"/>
-              <a:t>If </a:t>
-            </a:r>
-            <a:r>
-              <a:rPr lang="en-US" dirty="0"/>
-              <a:t>a button is clicked, the message “Mouse clicked” is displayed in the </a:t>
-            </a:r>
-            <a:r>
-              <a:rPr lang="en-US" dirty="0" err="1" smtClean="0"/>
-              <a:t>upperleft</a:t>
-            </a:r>
-            <a:r>
-              <a:rPr lang="en-US" dirty="0"/>
-              <a:t> </a:t>
-            </a:r>
-            <a:r>
-              <a:rPr lang="en-US" dirty="0" smtClean="0"/>
-              <a:t>corner </a:t>
-            </a:r>
-            <a:r>
-              <a:rPr lang="en-US" dirty="0"/>
-              <a:t>of the applet display area.</a:t>
+              <a:t> corner of the applet display area.</a:t>
             </a:r>
           </a:p>
           <a:p>
@@ -7774,21 +7518,13 @@
             </a:r>
             <a:r>
               <a:rPr lang="en-US" dirty="0"/>
-              <a:t>to display output at the point of these occurrences</a:t>
-            </a:r>
-            <a:r>
-              <a:rPr lang="en-US" dirty="0" smtClean="0"/>
-              <a:t>.</a:t>
+              <a:t>to display output at the point of these occurrences.</a:t>
             </a:r>
           </a:p>
           <a:p>
             <a:r>
               <a:rPr lang="en-US" dirty="0"/>
-              <a:t>Refer </a:t>
-            </a:r>
-            <a:r>
-              <a:rPr lang="en-US" dirty="0" smtClean="0"/>
-              <a:t>MouseEvents.pdf</a:t>
+              <a:t>Refer MouseEvents.pdf</a:t>
             </a:r>
             <a:endParaRPr lang="en-IN" dirty="0"/>
           </a:p>
@@ -7865,16 +7601,12 @@
           <a:lstStyle/>
           <a:p>
             <a:r>
-              <a:rPr lang="en-IN" dirty="0" smtClean="0"/>
+              <a:rPr lang="en-IN" dirty="0"/>
               <a:t>When </a:t>
             </a:r>
             <a:r>
-              <a:rPr lang="en-US" dirty="0" smtClean="0"/>
-              <a:t>a </a:t>
-            </a:r>
-            <a:r>
               <a:rPr lang="en-US" dirty="0"/>
-              <a:t>key is pressed, a </a:t>
+              <a:t>a key is pressed, a </a:t>
             </a:r>
             <a:r>
               <a:rPr lang="en-US" b="1" dirty="0"/>
@@ -7890,30 +7622,17 @@
             </a:r>
             <a:r>
               <a:rPr lang="en-US" b="1" dirty="0"/>
-              <a:t>( </a:t>
-            </a:r>
-            <a:r>
-              <a:rPr lang="en-US" b="1" dirty="0" smtClean="0"/>
-              <a:t>) </a:t>
-            </a:r>
-            <a:r>
-              <a:rPr lang="en-US" dirty="0" smtClean="0"/>
-              <a:t>event </a:t>
+              <a:t>( ) </a:t>
             </a:r>
             <a:r>
               <a:rPr lang="en-US" dirty="0"/>
-              <a:t>handler. </a:t>
-            </a:r>
-            <a:endParaRPr lang="en-US" dirty="0" smtClean="0"/>
-          </a:p>
-          <a:p>
-            <a:r>
-              <a:rPr lang="en-US" dirty="0" smtClean="0"/>
-              <a:t>When </a:t>
-            </a:r>
+              <a:t>event handler. </a:t>
+            </a:r>
+          </a:p>
+          <a:p>
             <a:r>
               <a:rPr lang="en-US" dirty="0"/>
-              <a:t>the key is released, a </a:t>
+              <a:t>When the key is released, a </a:t>
             </a:r>
             <a:r>
               <a:rPr lang="en-US" b="1" dirty="0"/>
@@ -7921,14 +7640,10 @@
             </a:r>
             <a:r>
               <a:rPr lang="en-US" dirty="0"/>
-              <a:t>event is generated and </a:t>
-            </a:r>
-            <a:r>
-              <a:rPr lang="en-US" dirty="0" smtClean="0"/>
-              <a:t>the </a:t>
-            </a:r>
-            <a:r>
-              <a:rPr lang="en-US" b="1" dirty="0" err="1" smtClean="0"/>
+              <a:t>event is generated and the </a:t>
+            </a:r>
+            <a:r>
+              <a:rPr lang="en-US" b="1" dirty="0" err="1"/>
               <a:t>keyReleased</a:t>
             </a:r>
             <a:r>
@@ -7939,23 +7654,14 @@
               <a:rPr lang="en-US" dirty="0"/>
               <a:t>handler is executed. </a:t>
             </a:r>
-            <a:endParaRPr lang="en-US" dirty="0" smtClean="0"/>
-          </a:p>
-          <a:p>
-            <a:r>
-              <a:rPr lang="en-US" dirty="0" smtClean="0"/>
-              <a:t>If </a:t>
-            </a:r>
+          </a:p>
+          <a:p>
             <a:r>
               <a:rPr lang="en-US" dirty="0"/>
-              <a:t>a character is generated by the keystroke, then </a:t>
-            </a:r>
-            <a:r>
-              <a:rPr lang="en-US" dirty="0" smtClean="0"/>
-              <a:t>a </a:t>
-            </a:r>
-            <a:r>
-              <a:rPr lang="en-US" b="1" dirty="0" smtClean="0"/>
+              <a:t>If a character is generated by the keystroke, then a </a:t>
+            </a:r>
+            <a:r>
+              <a:rPr lang="en-US" b="1" dirty="0"/>
               <a:t>KEY_TYPED </a:t>
             </a:r>
             <a:r>
@@ -7974,28 +7680,11 @@
               <a:rPr lang="en-US" dirty="0"/>
               <a:t>handler is invoked. </a:t>
             </a:r>
-            <a:endParaRPr lang="en-US" dirty="0" smtClean="0"/>
-          </a:p>
-          <a:p>
-            <a:r>
-              <a:rPr lang="en-US" dirty="0" smtClean="0"/>
-              <a:t>Thus</a:t>
-            </a:r>
+          </a:p>
+          <a:p>
             <a:r>
               <a:rPr lang="en-US" dirty="0"/>
-              <a:t>, each time the </a:t>
-            </a:r>
-            <a:r>
-              <a:rPr lang="en-US" dirty="0" smtClean="0"/>
-              <a:t>user presses </a:t>
-            </a:r>
-            <a:r>
-              <a:rPr lang="en-US" dirty="0"/>
-              <a:t>a key, at least two and often three events are generated</a:t>
-            </a:r>
-            <a:r>
-              <a:rPr lang="en-US" dirty="0" smtClean="0"/>
-              <a:t>.</a:t>
+              <a:t>Thus, each time the user presses a key, at least two and often three events are generated.</a:t>
             </a:r>
           </a:p>
           <a:p>
@@ -8005,11 +7694,7 @@
             </a:r>
             <a:r>
               <a:rPr lang="en-US"/>
-              <a:t>and </a:t>
-            </a:r>
-            <a:r>
-              <a:rPr lang="en-US" smtClean="0"/>
-              <a:t>KeyEvents.pdf</a:t>
+              <a:t>and KeyEvents.pdf</a:t>
             </a:r>
             <a:endParaRPr lang="en-IN" dirty="0"/>
           </a:p>
@@ -8084,7 +7769,7 @@
           <a:lstStyle/>
           <a:p>
             <a:r>
-              <a:rPr lang="en-US" dirty="0" smtClean="0"/>
+              <a:rPr lang="en-US" dirty="0"/>
               <a:t>An </a:t>
             </a:r>
             <a:r>
@@ -8095,43 +7780,21 @@
               <a:rPr lang="en-US" dirty="0"/>
               <a:t>is an object that describes a state change in a source. </a:t>
             </a:r>
-            <a:endParaRPr lang="en-US" dirty="0" smtClean="0"/>
-          </a:p>
-          <a:p>
-            <a:r>
-              <a:rPr lang="en-US" dirty="0" smtClean="0"/>
-              <a:t>It can be </a:t>
-            </a:r>
+          </a:p>
+          <a:p>
             <a:r>
               <a:rPr lang="en-US" dirty="0"/>
-              <a:t>generated as a consequence of a person interacting with the elements in a graphical </a:t>
-            </a:r>
-            <a:r>
-              <a:rPr lang="en-US" dirty="0" smtClean="0"/>
-              <a:t>user interface</a:t>
-            </a:r>
+              <a:t>It can be generated as a consequence of a person interacting with the elements in a graphical user interface. </a:t>
+            </a:r>
+          </a:p>
+          <a:p>
             <a:r>
               <a:rPr lang="en-US" dirty="0"/>
-              <a:t>. </a:t>
-            </a:r>
-            <a:endParaRPr lang="en-US" dirty="0" smtClean="0"/>
-          </a:p>
-          <a:p>
-            <a:r>
-              <a:rPr lang="en-US" dirty="0" smtClean="0"/>
-              <a:t>Some </a:t>
-            </a:r>
-            <a:r>
-              <a:rPr lang="en-US" dirty="0"/>
-              <a:t>of the activities that cause events to be generated are pressing a button</a:t>
+              <a:t>Some of the activities that cause events to be generated are pressing a button</a:t>
             </a:r>
             <a:r>
               <a:rPr lang="en-US"/>
-              <a:t>, </a:t>
-            </a:r>
-            <a:r>
-              <a:rPr lang="en-US" smtClean="0"/>
-              <a:t>entering a </a:t>
+              <a:t>, entering a </a:t>
             </a:r>
             <a:r>
               <a:rPr lang="en-US" dirty="0"/>
@@ -8212,58 +7875,26 @@
           <a:lstStyle/>
           <a:p>
             <a:r>
-              <a:rPr lang="en-US" dirty="0" smtClean="0"/>
+              <a:rPr lang="en-US" dirty="0"/>
               <a:t>A </a:t>
             </a:r>
             <a:r>
-              <a:rPr lang="en-US" i="1" dirty="0" smtClean="0"/>
+              <a:rPr lang="en-US" i="1" dirty="0"/>
               <a:t>source </a:t>
             </a:r>
             <a:r>
               <a:rPr lang="en-US" dirty="0"/>
-              <a:t>is an object that generates an event. This occurs when the internal state of that </a:t>
-            </a:r>
-            <a:r>
-              <a:rPr lang="en-US" dirty="0" smtClean="0"/>
-              <a:t>object changes </a:t>
-            </a:r>
+              <a:t>is an object that generates an event. This occurs when the internal state of that object changes in some way. Sources may generate more than one type of event.</a:t>
+            </a:r>
+          </a:p>
+          <a:p>
             <a:r>
               <a:rPr lang="en-US" dirty="0"/>
-              <a:t>in some way. Sources may generate more than one type of event</a:t>
-            </a:r>
-            <a:r>
-              <a:rPr lang="en-US" dirty="0" smtClean="0"/>
-              <a:t>.</a:t>
-            </a:r>
-          </a:p>
-          <a:p>
-            <a:r>
-              <a:rPr lang="en-US" dirty="0" smtClean="0"/>
-              <a:t>A source </a:t>
-            </a:r>
-            <a:r>
-              <a:rPr lang="en-US" dirty="0"/>
-              <a:t>must register listeners in order for the listeners to receive notifications </a:t>
-            </a:r>
-            <a:r>
-              <a:rPr lang="en-US" dirty="0" smtClean="0"/>
-              <a:t>about a </a:t>
-            </a:r>
-            <a:r>
-              <a:rPr lang="en-US" dirty="0"/>
-              <a:t>specific type of event. Each type of event has its own registration method. Here is </a:t>
-            </a:r>
-            <a:r>
-              <a:rPr lang="en-US" dirty="0" smtClean="0"/>
-              <a:t>the </a:t>
-            </a:r>
-            <a:r>
-              <a:rPr lang="en-IN" dirty="0" smtClean="0"/>
-              <a:t>general </a:t>
-            </a:r>
-            <a:r>
-              <a:rPr lang="en-IN" dirty="0"/>
-              <a:t>form:</a:t>
+              <a:t>A source must register listeners in order for the listeners to receive notifications about a specific type of event. Each type of event has its own registration method. Here is the </a:t>
+            </a:r>
+            <a:r>
+              <a:rPr lang="en-IN" dirty="0"/>
+              <a:t>general form:</a:t>
             </a:r>
           </a:p>
           <a:p>
@@ -8271,16 +7902,12 @@
               <a:buNone/>
             </a:pPr>
             <a:r>
-              <a:rPr lang="en-IN" dirty="0" smtClean="0"/>
+              <a:rPr lang="en-IN" dirty="0"/>
               <a:t>	</a:t>
             </a:r>
             <a:r>
-              <a:rPr lang="en-IN" i="1" dirty="0" smtClean="0"/>
-              <a:t>public </a:t>
-            </a:r>
-            <a:r>
               <a:rPr lang="en-IN" i="1" dirty="0"/>
-              <a:t>void </a:t>
+              <a:t>public void </a:t>
             </a:r>
             <a:r>
               <a:rPr lang="en-IN" i="1" dirty="0" err="1"/>
@@ -8296,11 +7923,7 @@
             </a:r>
             <a:r>
               <a:rPr lang="en-IN" i="1" dirty="0"/>
-              <a:t> el</a:t>
-            </a:r>
-            <a:r>
-              <a:rPr lang="en-IN" i="1" dirty="0" smtClean="0"/>
-              <a:t>)</a:t>
+              <a:t> el)</a:t>
             </a:r>
           </a:p>
           <a:p>
@@ -8309,11 +7932,7 @@
             </a:pPr>
             <a:r>
               <a:rPr lang="en-US" dirty="0"/>
-              <a:t>Type is the name of the event, and el is a reference to the event </a:t>
-            </a:r>
-            <a:r>
-              <a:rPr lang="en-US" dirty="0" smtClean="0"/>
-              <a:t>listener. </a:t>
+              <a:t>Type is the name of the event, and el is a reference to the event listener. </a:t>
             </a:r>
           </a:p>
           <a:p>
@@ -8321,11 +7940,11 @@
               <a:buNone/>
             </a:pPr>
             <a:r>
-              <a:rPr lang="en-US" dirty="0" err="1" smtClean="0"/>
+              <a:rPr lang="en-US" dirty="0" err="1"/>
               <a:t>Eg</a:t>
             </a:r>
             <a:r>
-              <a:rPr lang="en-US" dirty="0" smtClean="0"/>
+              <a:rPr lang="en-US" dirty="0"/>
               <a:t>. </a:t>
             </a:r>
             <a:r>
@@ -8334,11 +7953,7 @@
             </a:r>
             <a:r>
               <a:rPr lang="en-IN" dirty="0"/>
-              <a:t>( </a:t>
-            </a:r>
-            <a:r>
-              <a:rPr lang="en-IN" dirty="0" smtClean="0"/>
-              <a:t>) for key</a:t>
+              <a:t>( ) for key</a:t>
             </a:r>
           </a:p>
           <a:p>
@@ -8346,20 +7961,16 @@
               <a:buNone/>
             </a:pPr>
             <a:r>
-              <a:rPr lang="en-IN" dirty="0" smtClean="0"/>
+              <a:rPr lang="en-IN" dirty="0"/>
               <a:t>     </a:t>
             </a:r>
             <a:r>
-              <a:rPr lang="en-IN" dirty="0" err="1" smtClean="0"/>
+              <a:rPr lang="en-IN" dirty="0" err="1"/>
               <a:t>addMouseMotionListener</a:t>
             </a:r>
             <a:r>
               <a:rPr lang="en-IN" dirty="0"/>
-              <a:t>( </a:t>
-            </a:r>
-            <a:r>
-              <a:rPr lang="en-IN" dirty="0" smtClean="0"/>
-              <a:t>).for mouse motions</a:t>
+              <a:t>( ).for mouse motions</a:t>
             </a:r>
             <a:endParaRPr lang="en-IN" i="1" dirty="0"/>
           </a:p>
@@ -8435,15 +8046,7 @@
           <a:p>
             <a:r>
               <a:rPr lang="en-US" dirty="0"/>
-              <a:t>A source must also provide a method that allows a listener to unregister an </a:t>
-            </a:r>
-            <a:r>
-              <a:rPr lang="en-US" dirty="0" smtClean="0"/>
-              <a:t>interest in </a:t>
-            </a:r>
-            <a:r>
-              <a:rPr lang="en-US" dirty="0"/>
-              <a:t>a specific type of event. The general form of such a method is this:</a:t>
+              <a:t>A source must also provide a method that allows a listener to unregister an interest in a specific type of event. The general form of such a method is this:</a:t>
             </a:r>
           </a:p>
           <a:p>
@@ -8455,28 +8058,20 @@
               <a:t>public void </a:t>
             </a:r>
             <a:r>
-              <a:rPr lang="en-IN" i="1" dirty="0" err="1" smtClean="0"/>
+              <a:rPr lang="en-IN" i="1" dirty="0" err="1"/>
               <a:t>removeTypeListener</a:t>
             </a:r>
             <a:r>
-              <a:rPr lang="en-IN" i="1" dirty="0" smtClean="0"/>
+              <a:rPr lang="en-IN" i="1" dirty="0"/>
               <a:t>(</a:t>
             </a:r>
             <a:r>
-              <a:rPr lang="en-IN" i="1" dirty="0" err="1" smtClean="0"/>
+              <a:rPr lang="en-IN" i="1" dirty="0" err="1"/>
               <a:t>TypeListener</a:t>
             </a:r>
             <a:r>
-              <a:rPr lang="en-IN" i="1" dirty="0" smtClean="0"/>
-              <a:t> </a:t>
-            </a:r>
-            <a:r>
               <a:rPr lang="en-IN" i="1" dirty="0"/>
-              <a:t>el</a:t>
-            </a:r>
-            <a:r>
-              <a:rPr lang="en-IN" i="1" dirty="0" smtClean="0"/>
-              <a:t>)</a:t>
+              <a:t> el)</a:t>
             </a:r>
           </a:p>
           <a:p>
@@ -8490,11 +8085,11 @@
               <a:buNone/>
             </a:pPr>
             <a:r>
-              <a:rPr lang="en-IN" dirty="0" err="1" smtClean="0"/>
+              <a:rPr lang="en-IN" dirty="0" err="1"/>
               <a:t>Eg</a:t>
             </a:r>
             <a:r>
-              <a:rPr lang="en-IN" i="1" dirty="0" smtClean="0"/>
+              <a:rPr lang="en-IN" i="1" dirty="0"/>
               <a:t>. </a:t>
             </a:r>
             <a:r>
@@ -8503,14 +8098,10 @@
             </a:r>
             <a:r>
               <a:rPr lang="en-IN" b="1" dirty="0"/>
-              <a:t>( </a:t>
-            </a:r>
-            <a:r>
-              <a:rPr lang="en-IN" b="1" dirty="0" smtClean="0"/>
-              <a:t>)</a:t>
-            </a:r>
-            <a:r>
-              <a:rPr lang="en-IN" dirty="0" smtClean="0"/>
+              <a:t>( )</a:t>
+            </a:r>
+            <a:r>
+              <a:rPr lang="en-IN" dirty="0"/>
               <a:t>.to remove keyboard listener</a:t>
             </a:r>
             <a:endParaRPr lang="en-IN" i="1" dirty="0"/>
@@ -8587,27 +8178,7 @@
           <a:p>
             <a:r>
               <a:rPr lang="en-US" dirty="0"/>
-              <a:t>The classes that represent events are at the core of Java’s event handling mechanism. Thus, </a:t>
-            </a:r>
-            <a:r>
-              <a:rPr lang="en-US" dirty="0" smtClean="0"/>
-              <a:t>a discussion </a:t>
-            </a:r>
-            <a:r>
-              <a:rPr lang="en-US" dirty="0"/>
-              <a:t>of event handling must begin with </a:t>
-            </a:r>
-            <a:r>
-              <a:rPr lang="en-US" dirty="0" smtClean="0"/>
-              <a:t>the </a:t>
-            </a:r>
-            <a:r>
-              <a:rPr lang="en-US" dirty="0"/>
-              <a:t>event classes</a:t>
-            </a:r>
-            <a:r>
-              <a:rPr lang="en-US" dirty="0" smtClean="0"/>
-              <a:t>.</a:t>
+              <a:t>The classes that represent events are at the core of Java’s event handling mechanism. Thus, a discussion of event handling must begin with the event classes.</a:t>
             </a:r>
           </a:p>
           <a:p>
@@ -8616,10 +8187,10 @@
               <a:t>At the root of the Java event class hierarchy is </a:t>
             </a:r>
             <a:r>
-              <a:rPr lang="en-US" b="1" dirty="0" err="1" smtClean="0"/>
+              <a:rPr lang="en-US" b="1" dirty="0" err="1"/>
               <a:t>EventObject</a:t>
             </a:r>
-            <a:endParaRPr lang="en-US" b="1" dirty="0" smtClean="0"/>
+            <a:endParaRPr lang="en-US" b="1" dirty="0"/>
           </a:p>
           <a:p>
             <a:r>
@@ -8635,7 +8206,7 @@
               <a:t>src</a:t>
             </a:r>
             <a:r>
-              <a:rPr lang="en-IN" dirty="0" smtClean="0"/>
+              <a:rPr lang="en-IN" dirty="0"/>
               <a:t>)</a:t>
             </a:r>
           </a:p>
@@ -8818,12 +8389,8 @@
           <a:lstStyle/>
           <a:p>
             <a:r>
-              <a:rPr lang="en-IN" b="1" dirty="0" smtClean="0"/>
-              <a:t>Adjustment Event </a:t>
-            </a:r>
-            <a:r>
               <a:rPr lang="en-IN" b="1" dirty="0"/>
-              <a:t>Class</a:t>
+              <a:t>Adjustment Event Class</a:t>
             </a:r>
             <a:endParaRPr lang="en-IN" dirty="0"/>
           </a:p>
@@ -8853,43 +8420,31 @@
           <a:p>
             <a:r>
               <a:rPr lang="en-US" dirty="0"/>
-              <a:t>There are five </a:t>
-            </a:r>
-            <a:r>
-              <a:rPr lang="en-US" dirty="0" smtClean="0"/>
-              <a:t>types </a:t>
+              <a:t>There are five types of adjustment events.</a:t>
+            </a:r>
+          </a:p>
+          <a:p>
+            <a:endParaRPr lang="en-US" dirty="0"/>
+          </a:p>
+          <a:p>
+            <a:endParaRPr lang="en-US" dirty="0"/>
+          </a:p>
+          <a:p>
+            <a:endParaRPr lang="en-US" dirty="0"/>
+          </a:p>
+          <a:p>
+            <a:endParaRPr lang="en-US" dirty="0"/>
+          </a:p>
+          <a:p>
+            <a:endParaRPr lang="en-US" dirty="0"/>
+          </a:p>
+          <a:p>
+            <a:r>
+              <a:rPr lang="en-US" dirty="0" err="1"/>
+              <a:t>AdjustmentEvent</a:t>
             </a:r>
             <a:r>
               <a:rPr lang="en-US" dirty="0"/>
-              <a:t>of adjustment events</a:t>
-            </a:r>
-            <a:r>
-              <a:rPr lang="en-US" dirty="0" smtClean="0"/>
-              <a:t>.</a:t>
-            </a:r>
-          </a:p>
-          <a:p>
-            <a:endParaRPr lang="en-US" dirty="0"/>
-          </a:p>
-          <a:p>
-            <a:endParaRPr lang="en-US" dirty="0" smtClean="0"/>
-          </a:p>
-          <a:p>
-            <a:endParaRPr lang="en-US" dirty="0"/>
-          </a:p>
-          <a:p>
-            <a:endParaRPr lang="en-US" dirty="0" smtClean="0"/>
-          </a:p>
-          <a:p>
-            <a:endParaRPr lang="en-US" dirty="0"/>
-          </a:p>
-          <a:p>
-            <a:r>
-              <a:rPr lang="en-US" dirty="0" err="1" smtClean="0"/>
-              <a:t>AdjustmentEvent</a:t>
-            </a:r>
-            <a:r>
-              <a:rPr lang="en-US" dirty="0" smtClean="0"/>
               <a:t>(Adjustable </a:t>
             </a:r>
             <a:r>
@@ -8945,7 +8500,7 @@
               <a:t>data</a:t>
             </a:r>
             <a:r>
-              <a:rPr lang="en-US" dirty="0" smtClean="0"/>
+              <a:rPr lang="en-US" dirty="0"/>
               <a:t>)</a:t>
             </a:r>
           </a:p>
@@ -8968,15 +8523,7 @@
             </a:r>
             <a:r>
               <a:rPr lang="en-US" dirty="0"/>
-              <a:t>specifies the event. </a:t>
-            </a:r>
-            <a:r>
-              <a:rPr lang="en-US" dirty="0" smtClean="0"/>
-              <a:t>The type </a:t>
-            </a:r>
-            <a:r>
-              <a:rPr lang="en-US" dirty="0"/>
-              <a:t>of the adjustment is specified by </a:t>
+              <a:t>specifies the event. The type of the adjustment is specified by </a:t>
             </a:r>
             <a:r>
               <a:rPr lang="en-US" i="1" dirty="0"/>
@@ -8990,7 +8537,7 @@
               <a:rPr lang="en-US" i="1" dirty="0"/>
               <a:t>data.</a:t>
             </a:r>
-            <a:endParaRPr lang="en-US" dirty="0" smtClean="0"/>
+            <a:endParaRPr lang="en-US" dirty="0"/>
           </a:p>
           <a:p>
             <a:endParaRPr lang="en-IN" dirty="0"/>
@@ -9067,7 +8614,7 @@
           <a:lstStyle/>
           <a:p>
             <a:r>
-              <a:rPr lang="en-IN" b="1" dirty="0" smtClean="0"/>
+              <a:rPr lang="en-IN" b="1" dirty="0"/>
               <a:t>Component Event Class </a:t>
             </a:r>
             <a:endParaRPr lang="en-IN" dirty="0"/>
